--- a/修論/本文/figure/fig_1_1_lattice_strain.pptx
+++ b/修論/本文/figure/fig_1_1_lattice_strain.pptx
@@ -270,7 +270,7 @@
           <a:p>
             <a:fld id="{7C639F64-ACB2-154A-A5E3-0DB86593728B}" type="datetimeFigureOut">
               <a:rPr kumimoji="1" lang="ja-JP" altLang="en-US" smtClean="0"/>
-              <a:t>2018/12/23</a:t>
+              <a:t>2018/12/30</a:t>
             </a:fld>
             <a:endParaRPr kumimoji="1" lang="ja-JP" altLang="en-US"/>
           </a:p>
@@ -475,7 +475,7 @@
           <a:p>
             <a:fld id="{7C639F64-ACB2-154A-A5E3-0DB86593728B}" type="datetimeFigureOut">
               <a:rPr kumimoji="1" lang="ja-JP" altLang="en-US" smtClean="0"/>
-              <a:t>2018/12/23</a:t>
+              <a:t>2018/12/30</a:t>
             </a:fld>
             <a:endParaRPr kumimoji="1" lang="ja-JP" altLang="en-US"/>
           </a:p>
@@ -690,7 +690,7 @@
           <a:p>
             <a:fld id="{7C639F64-ACB2-154A-A5E3-0DB86593728B}" type="datetimeFigureOut">
               <a:rPr kumimoji="1" lang="ja-JP" altLang="en-US" smtClean="0"/>
-              <a:t>2018/12/23</a:t>
+              <a:t>2018/12/30</a:t>
             </a:fld>
             <a:endParaRPr kumimoji="1" lang="ja-JP" altLang="en-US"/>
           </a:p>
@@ -895,7 +895,7 @@
           <a:p>
             <a:fld id="{7C639F64-ACB2-154A-A5E3-0DB86593728B}" type="datetimeFigureOut">
               <a:rPr kumimoji="1" lang="ja-JP" altLang="en-US" smtClean="0"/>
-              <a:t>2018/12/23</a:t>
+              <a:t>2018/12/30</a:t>
             </a:fld>
             <a:endParaRPr kumimoji="1" lang="ja-JP" altLang="en-US"/>
           </a:p>
@@ -1205,7 +1205,7 @@
           <a:p>
             <a:fld id="{7C639F64-ACB2-154A-A5E3-0DB86593728B}" type="datetimeFigureOut">
               <a:rPr kumimoji="1" lang="ja-JP" altLang="en-US" smtClean="0"/>
-              <a:t>2018/12/23</a:t>
+              <a:t>2018/12/30</a:t>
             </a:fld>
             <a:endParaRPr kumimoji="1" lang="ja-JP" altLang="en-US"/>
           </a:p>
@@ -1484,7 +1484,7 @@
           <a:p>
             <a:fld id="{7C639F64-ACB2-154A-A5E3-0DB86593728B}" type="datetimeFigureOut">
               <a:rPr kumimoji="1" lang="ja-JP" altLang="en-US" smtClean="0"/>
-              <a:t>2018/12/23</a:t>
+              <a:t>2018/12/30</a:t>
             </a:fld>
             <a:endParaRPr kumimoji="1" lang="ja-JP" altLang="en-US"/>
           </a:p>
@@ -1980,7 +1980,7 @@
           <a:p>
             <a:fld id="{7C639F64-ACB2-154A-A5E3-0DB86593728B}" type="datetimeFigureOut">
               <a:rPr kumimoji="1" lang="ja-JP" altLang="en-US" smtClean="0"/>
-              <a:t>2018/12/23</a:t>
+              <a:t>2018/12/30</a:t>
             </a:fld>
             <a:endParaRPr kumimoji="1" lang="ja-JP" altLang="en-US"/>
           </a:p>
@@ -2121,7 +2121,7 @@
           <a:p>
             <a:fld id="{7C639F64-ACB2-154A-A5E3-0DB86593728B}" type="datetimeFigureOut">
               <a:rPr kumimoji="1" lang="ja-JP" altLang="en-US" smtClean="0"/>
-              <a:t>2018/12/23</a:t>
+              <a:t>2018/12/30</a:t>
             </a:fld>
             <a:endParaRPr kumimoji="1" lang="ja-JP" altLang="en-US"/>
           </a:p>
@@ -2234,7 +2234,7 @@
           <a:p>
             <a:fld id="{7C639F64-ACB2-154A-A5E3-0DB86593728B}" type="datetimeFigureOut">
               <a:rPr kumimoji="1" lang="ja-JP" altLang="en-US" smtClean="0"/>
-              <a:t>2018/12/23</a:t>
+              <a:t>2018/12/30</a:t>
             </a:fld>
             <a:endParaRPr kumimoji="1" lang="ja-JP" altLang="en-US"/>
           </a:p>
@@ -2587,7 +2587,7 @@
           <a:p>
             <a:fld id="{7C639F64-ACB2-154A-A5E3-0DB86593728B}" type="datetimeFigureOut">
               <a:rPr kumimoji="1" lang="ja-JP" altLang="en-US" smtClean="0"/>
-              <a:t>2018/12/23</a:t>
+              <a:t>2018/12/30</a:t>
             </a:fld>
             <a:endParaRPr kumimoji="1" lang="ja-JP" altLang="en-US"/>
           </a:p>
@@ -2910,7 +2910,7 @@
           <a:p>
             <a:fld id="{7C639F64-ACB2-154A-A5E3-0DB86593728B}" type="datetimeFigureOut">
               <a:rPr kumimoji="1" lang="ja-JP" altLang="en-US" smtClean="0"/>
-              <a:t>2018/12/23</a:t>
+              <a:t>2018/12/30</a:t>
             </a:fld>
             <a:endParaRPr kumimoji="1" lang="ja-JP" altLang="en-US"/>
           </a:p>
@@ -3158,7 +3158,7 @@
           <a:p>
             <a:fld id="{7C639F64-ACB2-154A-A5E3-0DB86593728B}" type="datetimeFigureOut">
               <a:rPr kumimoji="1" lang="ja-JP" altLang="en-US" smtClean="0"/>
-              <a:t>2018/12/23</a:t>
+              <a:t>2018/12/30</a:t>
             </a:fld>
             <a:endParaRPr kumimoji="1" lang="ja-JP" altLang="en-US"/>
           </a:p>
@@ -3853,7 +3853,7 @@
             </a:r>
             <a:r>
               <a:rPr kumimoji="1" lang="en-US" altLang="ja-JP" dirty="0"/>
-              <a:t>As : a=5.955</a:t>
+              <a:t>As : a=5.7565</a:t>
             </a:r>
             <a:endParaRPr kumimoji="1" lang="ja-JP" altLang="en-US"/>
           </a:p>

--- a/修論/本文/figure/fig_1_1_lattice_strain.pptx
+++ b/修論/本文/figure/fig_1_1_lattice_strain.pptx
@@ -6,6 +6,8 @@
   </p:sldMasterIdLst>
   <p:sldIdLst>
     <p:sldId id="256" r:id="rId2"/>
+    <p:sldId id="258" r:id="rId3"/>
+    <p:sldId id="257" r:id="rId4"/>
   </p:sldIdLst>
   <p:sldSz cx="12192000" cy="6858000"/>
   <p:notesSz cx="6858000" cy="9144000"/>
@@ -270,7 +272,7 @@
           <a:p>
             <a:fld id="{7C639F64-ACB2-154A-A5E3-0DB86593728B}" type="datetimeFigureOut">
               <a:rPr kumimoji="1" lang="ja-JP" altLang="en-US" smtClean="0"/>
-              <a:t>2018/12/30</a:t>
+              <a:t>2019/1/3</a:t>
             </a:fld>
             <a:endParaRPr kumimoji="1" lang="ja-JP" altLang="en-US"/>
           </a:p>
@@ -475,7 +477,7 @@
           <a:p>
             <a:fld id="{7C639F64-ACB2-154A-A5E3-0DB86593728B}" type="datetimeFigureOut">
               <a:rPr kumimoji="1" lang="ja-JP" altLang="en-US" smtClean="0"/>
-              <a:t>2018/12/30</a:t>
+              <a:t>2019/1/3</a:t>
             </a:fld>
             <a:endParaRPr kumimoji="1" lang="ja-JP" altLang="en-US"/>
           </a:p>
@@ -690,7 +692,7 @@
           <a:p>
             <a:fld id="{7C639F64-ACB2-154A-A5E3-0DB86593728B}" type="datetimeFigureOut">
               <a:rPr kumimoji="1" lang="ja-JP" altLang="en-US" smtClean="0"/>
-              <a:t>2018/12/30</a:t>
+              <a:t>2019/1/3</a:t>
             </a:fld>
             <a:endParaRPr kumimoji="1" lang="ja-JP" altLang="en-US"/>
           </a:p>
@@ -895,7 +897,7 @@
           <a:p>
             <a:fld id="{7C639F64-ACB2-154A-A5E3-0DB86593728B}" type="datetimeFigureOut">
               <a:rPr kumimoji="1" lang="ja-JP" altLang="en-US" smtClean="0"/>
-              <a:t>2018/12/30</a:t>
+              <a:t>2019/1/3</a:t>
             </a:fld>
             <a:endParaRPr kumimoji="1" lang="ja-JP" altLang="en-US"/>
           </a:p>
@@ -1205,7 +1207,7 @@
           <a:p>
             <a:fld id="{7C639F64-ACB2-154A-A5E3-0DB86593728B}" type="datetimeFigureOut">
               <a:rPr kumimoji="1" lang="ja-JP" altLang="en-US" smtClean="0"/>
-              <a:t>2018/12/30</a:t>
+              <a:t>2019/1/3</a:t>
             </a:fld>
             <a:endParaRPr kumimoji="1" lang="ja-JP" altLang="en-US"/>
           </a:p>
@@ -1484,7 +1486,7 @@
           <a:p>
             <a:fld id="{7C639F64-ACB2-154A-A5E3-0DB86593728B}" type="datetimeFigureOut">
               <a:rPr kumimoji="1" lang="ja-JP" altLang="en-US" smtClean="0"/>
-              <a:t>2018/12/30</a:t>
+              <a:t>2019/1/3</a:t>
             </a:fld>
             <a:endParaRPr kumimoji="1" lang="ja-JP" altLang="en-US"/>
           </a:p>
@@ -1980,7 +1982,7 @@
           <a:p>
             <a:fld id="{7C639F64-ACB2-154A-A5E3-0DB86593728B}" type="datetimeFigureOut">
               <a:rPr kumimoji="1" lang="ja-JP" altLang="en-US" smtClean="0"/>
-              <a:t>2018/12/30</a:t>
+              <a:t>2019/1/3</a:t>
             </a:fld>
             <a:endParaRPr kumimoji="1" lang="ja-JP" altLang="en-US"/>
           </a:p>
@@ -2121,7 +2123,7 @@
           <a:p>
             <a:fld id="{7C639F64-ACB2-154A-A5E3-0DB86593728B}" type="datetimeFigureOut">
               <a:rPr kumimoji="1" lang="ja-JP" altLang="en-US" smtClean="0"/>
-              <a:t>2018/12/30</a:t>
+              <a:t>2019/1/3</a:t>
             </a:fld>
             <a:endParaRPr kumimoji="1" lang="ja-JP" altLang="en-US"/>
           </a:p>
@@ -2234,7 +2236,7 @@
           <a:p>
             <a:fld id="{7C639F64-ACB2-154A-A5E3-0DB86593728B}" type="datetimeFigureOut">
               <a:rPr kumimoji="1" lang="ja-JP" altLang="en-US" smtClean="0"/>
-              <a:t>2018/12/30</a:t>
+              <a:t>2019/1/3</a:t>
             </a:fld>
             <a:endParaRPr kumimoji="1" lang="ja-JP" altLang="en-US"/>
           </a:p>
@@ -2587,7 +2589,7 @@
           <a:p>
             <a:fld id="{7C639F64-ACB2-154A-A5E3-0DB86593728B}" type="datetimeFigureOut">
               <a:rPr kumimoji="1" lang="ja-JP" altLang="en-US" smtClean="0"/>
-              <a:t>2018/12/30</a:t>
+              <a:t>2019/1/3</a:t>
             </a:fld>
             <a:endParaRPr kumimoji="1" lang="ja-JP" altLang="en-US"/>
           </a:p>
@@ -2910,7 +2912,7 @@
           <a:p>
             <a:fld id="{7C639F64-ACB2-154A-A5E3-0DB86593728B}" type="datetimeFigureOut">
               <a:rPr kumimoji="1" lang="ja-JP" altLang="en-US" smtClean="0"/>
-              <a:t>2018/12/30</a:t>
+              <a:t>2019/1/3</a:t>
             </a:fld>
             <a:endParaRPr kumimoji="1" lang="ja-JP" altLang="en-US"/>
           </a:p>
@@ -3158,7 +3160,7 @@
           <a:p>
             <a:fld id="{7C639F64-ACB2-154A-A5E3-0DB86593728B}" type="datetimeFigureOut">
               <a:rPr kumimoji="1" lang="ja-JP" altLang="en-US" smtClean="0"/>
-              <a:t>2018/12/30</a:t>
+              <a:t>2019/1/3</a:t>
             </a:fld>
             <a:endParaRPr kumimoji="1" lang="ja-JP" altLang="en-US"/>
           </a:p>
@@ -6349,6 +6351,2984 @@
 </p:sld>
 </file>
 
+<file path=ppt/slides/slide2.xml><?xml version="1.0" encoding="utf-8"?>
+<p:sld xmlns:a="http://schemas.openxmlformats.org/drawingml/2006/main" xmlns:r="http://schemas.openxmlformats.org/officeDocument/2006/relationships" xmlns:p="http://schemas.openxmlformats.org/presentationml/2006/main">
+  <p:cSld>
+    <p:spTree>
+      <p:nvGrpSpPr>
+        <p:cNvPr id="1" name=""/>
+        <p:cNvGrpSpPr/>
+        <p:nvPr/>
+      </p:nvGrpSpPr>
+      <p:grpSpPr>
+        <a:xfrm>
+          <a:off x="0" y="0"/>
+          <a:ext cx="0" cy="0"/>
+          <a:chOff x="0" y="0"/>
+          <a:chExt cx="0" cy="0"/>
+        </a:xfrm>
+      </p:grpSpPr>
+      <p:sp>
+        <p:nvSpPr>
+          <p:cNvPr id="18" name="正方形/長方形 17">
+            <a:extLst>
+              <a:ext uri="{FF2B5EF4-FFF2-40B4-BE49-F238E27FC236}">
+                <a16:creationId xmlns:a16="http://schemas.microsoft.com/office/drawing/2014/main" id="{E7924699-F6C8-6642-A665-679AC528792E}"/>
+              </a:ext>
+            </a:extLst>
+          </p:cNvPr>
+          <p:cNvSpPr/>
+          <p:nvPr/>
+        </p:nvSpPr>
+        <p:spPr>
+          <a:xfrm>
+            <a:off x="228730" y="1414992"/>
+            <a:ext cx="720000" cy="720000"/>
+          </a:xfrm>
+          <a:prstGeom prst="rect">
+            <a:avLst/>
+          </a:prstGeom>
+        </p:spPr>
+        <p:style>
+          <a:lnRef idx="2">
+            <a:schemeClr val="accent1">
+              <a:shade val="50000"/>
+            </a:schemeClr>
+          </a:lnRef>
+          <a:fillRef idx="1">
+            <a:schemeClr val="accent1"/>
+          </a:fillRef>
+          <a:effectRef idx="0">
+            <a:schemeClr val="accent1"/>
+          </a:effectRef>
+          <a:fontRef idx="minor">
+            <a:schemeClr val="lt1"/>
+          </a:fontRef>
+        </p:style>
+        <p:txBody>
+          <a:bodyPr rtlCol="0" anchor="ctr"/>
+          <a:lstStyle/>
+          <a:p>
+            <a:pPr algn="ctr"/>
+            <a:endParaRPr kumimoji="1" lang="ja-JP" altLang="en-US"/>
+          </a:p>
+        </p:txBody>
+      </p:sp>
+      <p:sp>
+        <p:nvSpPr>
+          <p:cNvPr id="19" name="テキスト ボックス 18">
+            <a:extLst>
+              <a:ext uri="{FF2B5EF4-FFF2-40B4-BE49-F238E27FC236}">
+                <a16:creationId xmlns:a16="http://schemas.microsoft.com/office/drawing/2014/main" id="{739CF02C-AFC0-1048-978C-F661228B4C6A}"/>
+              </a:ext>
+            </a:extLst>
+          </p:cNvPr>
+          <p:cNvSpPr txBox="1"/>
+          <p:nvPr/>
+        </p:nvSpPr>
+        <p:spPr>
+          <a:xfrm>
+            <a:off x="1347982" y="1494784"/>
+            <a:ext cx="1878806" cy="523220"/>
+          </a:xfrm>
+          <a:prstGeom prst="rect">
+            <a:avLst/>
+          </a:prstGeom>
+          <a:noFill/>
+        </p:spPr>
+        <p:txBody>
+          <a:bodyPr wrap="square" rtlCol="0">
+            <a:spAutoFit/>
+          </a:bodyPr>
+          <a:lstStyle/>
+          <a:p>
+            <a:r>
+              <a:rPr kumimoji="1" lang="en-US" altLang="ja-JP" sz="2800" dirty="0"/>
+              <a:t>GaAs </a:t>
+            </a:r>
+            <a:endParaRPr kumimoji="1" lang="ja-JP" altLang="en-US" sz="2800"/>
+          </a:p>
+        </p:txBody>
+      </p:sp>
+      <p:sp>
+        <p:nvSpPr>
+          <p:cNvPr id="22" name="正方形/長方形 21">
+            <a:extLst>
+              <a:ext uri="{FF2B5EF4-FFF2-40B4-BE49-F238E27FC236}">
+                <a16:creationId xmlns:a16="http://schemas.microsoft.com/office/drawing/2014/main" id="{E329B46D-3DC8-A046-BD26-C2BF1CAB5FCE}"/>
+              </a:ext>
+            </a:extLst>
+          </p:cNvPr>
+          <p:cNvSpPr/>
+          <p:nvPr/>
+        </p:nvSpPr>
+        <p:spPr>
+          <a:xfrm>
+            <a:off x="210604" y="3334080"/>
+            <a:ext cx="576000" cy="576000"/>
+          </a:xfrm>
+          <a:prstGeom prst="rect">
+            <a:avLst/>
+          </a:prstGeom>
+          <a:solidFill>
+            <a:schemeClr val="bg2"/>
+          </a:solidFill>
+        </p:spPr>
+        <p:style>
+          <a:lnRef idx="2">
+            <a:schemeClr val="accent1">
+              <a:shade val="50000"/>
+            </a:schemeClr>
+          </a:lnRef>
+          <a:fillRef idx="1">
+            <a:schemeClr val="accent1"/>
+          </a:fillRef>
+          <a:effectRef idx="0">
+            <a:schemeClr val="accent1"/>
+          </a:effectRef>
+          <a:fontRef idx="minor">
+            <a:schemeClr val="lt1"/>
+          </a:fontRef>
+        </p:style>
+        <p:txBody>
+          <a:bodyPr rtlCol="0" anchor="ctr"/>
+          <a:lstStyle/>
+          <a:p>
+            <a:pPr algn="ctr"/>
+            <a:endParaRPr kumimoji="1" lang="ja-JP" altLang="en-US"/>
+          </a:p>
+        </p:txBody>
+      </p:sp>
+      <p:sp>
+        <p:nvSpPr>
+          <p:cNvPr id="23" name="テキスト ボックス 22">
+            <a:extLst>
+              <a:ext uri="{FF2B5EF4-FFF2-40B4-BE49-F238E27FC236}">
+                <a16:creationId xmlns:a16="http://schemas.microsoft.com/office/drawing/2014/main" id="{26130ABF-FC0C-7B43-ACD6-6808C227CDE2}"/>
+              </a:ext>
+            </a:extLst>
+          </p:cNvPr>
+          <p:cNvSpPr txBox="1"/>
+          <p:nvPr/>
+        </p:nvSpPr>
+        <p:spPr>
+          <a:xfrm>
+            <a:off x="1367004" y="3458587"/>
+            <a:ext cx="3052522" cy="523220"/>
+          </a:xfrm>
+          <a:prstGeom prst="rect">
+            <a:avLst/>
+          </a:prstGeom>
+          <a:noFill/>
+        </p:spPr>
+        <p:txBody>
+          <a:bodyPr wrap="square" rtlCol="0">
+            <a:spAutoFit/>
+          </a:bodyPr>
+          <a:lstStyle/>
+          <a:p>
+            <a:r>
+              <a:rPr kumimoji="1" lang="en-US" altLang="ja-JP" sz="2800" dirty="0" err="1"/>
+              <a:t>GaAsP</a:t>
+            </a:r>
+            <a:r>
+              <a:rPr kumimoji="1" lang="en-US" altLang="ja-JP" sz="2800" dirty="0"/>
+              <a:t> : barrier</a:t>
+            </a:r>
+            <a:endParaRPr kumimoji="1" lang="ja-JP" altLang="en-US" sz="2800"/>
+          </a:p>
+        </p:txBody>
+      </p:sp>
+      <p:sp>
+        <p:nvSpPr>
+          <p:cNvPr id="24" name="正方形/長方形 23">
+            <a:extLst>
+              <a:ext uri="{FF2B5EF4-FFF2-40B4-BE49-F238E27FC236}">
+                <a16:creationId xmlns:a16="http://schemas.microsoft.com/office/drawing/2014/main" id="{C027E9FD-F58E-D04D-9F44-2FD429EF4520}"/>
+              </a:ext>
+            </a:extLst>
+          </p:cNvPr>
+          <p:cNvSpPr/>
+          <p:nvPr/>
+        </p:nvSpPr>
+        <p:spPr>
+          <a:xfrm>
+            <a:off x="228730" y="2359805"/>
+            <a:ext cx="864000" cy="864000"/>
+          </a:xfrm>
+          <a:prstGeom prst="rect">
+            <a:avLst/>
+          </a:prstGeom>
+          <a:solidFill>
+            <a:srgbClr val="FF0000"/>
+          </a:solidFill>
+        </p:spPr>
+        <p:style>
+          <a:lnRef idx="2">
+            <a:schemeClr val="accent1">
+              <a:shade val="50000"/>
+            </a:schemeClr>
+          </a:lnRef>
+          <a:fillRef idx="1">
+            <a:schemeClr val="accent1"/>
+          </a:fillRef>
+          <a:effectRef idx="0">
+            <a:schemeClr val="accent1"/>
+          </a:effectRef>
+          <a:fontRef idx="minor">
+            <a:schemeClr val="lt1"/>
+          </a:fontRef>
+        </p:style>
+        <p:txBody>
+          <a:bodyPr rtlCol="0" anchor="ctr"/>
+          <a:lstStyle/>
+          <a:p>
+            <a:pPr algn="ctr"/>
+            <a:endParaRPr kumimoji="1" lang="ja-JP" altLang="en-US"/>
+          </a:p>
+        </p:txBody>
+      </p:sp>
+      <p:sp>
+        <p:nvSpPr>
+          <p:cNvPr id="25" name="テキスト ボックス 24">
+            <a:extLst>
+              <a:ext uri="{FF2B5EF4-FFF2-40B4-BE49-F238E27FC236}">
+                <a16:creationId xmlns:a16="http://schemas.microsoft.com/office/drawing/2014/main" id="{288B2FB4-E1F5-6247-86CF-A7E4C51FC7BB}"/>
+              </a:ext>
+            </a:extLst>
+          </p:cNvPr>
+          <p:cNvSpPr txBox="1"/>
+          <p:nvPr/>
+        </p:nvSpPr>
+        <p:spPr>
+          <a:xfrm>
+            <a:off x="1347982" y="2439597"/>
+            <a:ext cx="3326844" cy="523220"/>
+          </a:xfrm>
+          <a:prstGeom prst="rect">
+            <a:avLst/>
+          </a:prstGeom>
+          <a:noFill/>
+        </p:spPr>
+        <p:txBody>
+          <a:bodyPr wrap="square" rtlCol="0">
+            <a:spAutoFit/>
+          </a:bodyPr>
+          <a:lstStyle/>
+          <a:p>
+            <a:r>
+              <a:rPr kumimoji="1" lang="en-US" altLang="ja-JP" sz="2800" dirty="0" err="1"/>
+              <a:t>InGaAs</a:t>
+            </a:r>
+            <a:r>
+              <a:rPr kumimoji="1" lang="ja-JP" altLang="en-US" sz="2800"/>
+              <a:t> </a:t>
+            </a:r>
+            <a:r>
+              <a:rPr kumimoji="1" lang="en-US" altLang="ja-JP" sz="2800" dirty="0"/>
+              <a:t>: well </a:t>
+            </a:r>
+            <a:endParaRPr kumimoji="1" lang="ja-JP" altLang="en-US" sz="2800"/>
+          </a:p>
+        </p:txBody>
+      </p:sp>
+      <p:sp>
+        <p:nvSpPr>
+          <p:cNvPr id="32" name="正方形/長方形 31">
+            <a:extLst>
+              <a:ext uri="{FF2B5EF4-FFF2-40B4-BE49-F238E27FC236}">
+                <a16:creationId xmlns:a16="http://schemas.microsoft.com/office/drawing/2014/main" id="{72BC3D83-36D5-1445-8D5C-5B8938A32C38}"/>
+              </a:ext>
+            </a:extLst>
+          </p:cNvPr>
+          <p:cNvSpPr/>
+          <p:nvPr/>
+        </p:nvSpPr>
+        <p:spPr>
+          <a:xfrm>
+            <a:off x="5718955" y="7864053"/>
+            <a:ext cx="720000" cy="720000"/>
+          </a:xfrm>
+          <a:prstGeom prst="rect">
+            <a:avLst/>
+          </a:prstGeom>
+        </p:spPr>
+        <p:style>
+          <a:lnRef idx="2">
+            <a:schemeClr val="accent1">
+              <a:shade val="50000"/>
+            </a:schemeClr>
+          </a:lnRef>
+          <a:fillRef idx="1">
+            <a:schemeClr val="accent1"/>
+          </a:fillRef>
+          <a:effectRef idx="0">
+            <a:schemeClr val="accent1"/>
+          </a:effectRef>
+          <a:fontRef idx="minor">
+            <a:schemeClr val="lt1"/>
+          </a:fontRef>
+        </p:style>
+        <p:txBody>
+          <a:bodyPr rtlCol="0" anchor="ctr"/>
+          <a:lstStyle/>
+          <a:p>
+            <a:pPr algn="ctr"/>
+            <a:endParaRPr kumimoji="1" lang="ja-JP" altLang="en-US"/>
+          </a:p>
+        </p:txBody>
+      </p:sp>
+      <p:sp>
+        <p:nvSpPr>
+          <p:cNvPr id="33" name="正方形/長方形 32">
+            <a:extLst>
+              <a:ext uri="{FF2B5EF4-FFF2-40B4-BE49-F238E27FC236}">
+                <a16:creationId xmlns:a16="http://schemas.microsoft.com/office/drawing/2014/main" id="{2275A810-0EE2-9848-8251-D739C71D9B39}"/>
+              </a:ext>
+            </a:extLst>
+          </p:cNvPr>
+          <p:cNvSpPr/>
+          <p:nvPr/>
+        </p:nvSpPr>
+        <p:spPr>
+          <a:xfrm>
+            <a:off x="6438955" y="7864053"/>
+            <a:ext cx="720000" cy="720000"/>
+          </a:xfrm>
+          <a:prstGeom prst="rect">
+            <a:avLst/>
+          </a:prstGeom>
+        </p:spPr>
+        <p:style>
+          <a:lnRef idx="2">
+            <a:schemeClr val="accent1">
+              <a:shade val="50000"/>
+            </a:schemeClr>
+          </a:lnRef>
+          <a:fillRef idx="1">
+            <a:schemeClr val="accent1"/>
+          </a:fillRef>
+          <a:effectRef idx="0">
+            <a:schemeClr val="accent1"/>
+          </a:effectRef>
+          <a:fontRef idx="minor">
+            <a:schemeClr val="lt1"/>
+          </a:fontRef>
+        </p:style>
+        <p:txBody>
+          <a:bodyPr rtlCol="0" anchor="ctr"/>
+          <a:lstStyle/>
+          <a:p>
+            <a:pPr algn="ctr"/>
+            <a:endParaRPr kumimoji="1" lang="ja-JP" altLang="en-US"/>
+          </a:p>
+        </p:txBody>
+      </p:sp>
+      <p:sp>
+        <p:nvSpPr>
+          <p:cNvPr id="34" name="正方形/長方形 33">
+            <a:extLst>
+              <a:ext uri="{FF2B5EF4-FFF2-40B4-BE49-F238E27FC236}">
+                <a16:creationId xmlns:a16="http://schemas.microsoft.com/office/drawing/2014/main" id="{4B60551B-F2DE-AF41-81E4-85485887CCF2}"/>
+              </a:ext>
+            </a:extLst>
+          </p:cNvPr>
+          <p:cNvSpPr/>
+          <p:nvPr/>
+        </p:nvSpPr>
+        <p:spPr>
+          <a:xfrm>
+            <a:off x="7158955" y="7864053"/>
+            <a:ext cx="720000" cy="720000"/>
+          </a:xfrm>
+          <a:prstGeom prst="rect">
+            <a:avLst/>
+          </a:prstGeom>
+        </p:spPr>
+        <p:style>
+          <a:lnRef idx="2">
+            <a:schemeClr val="accent1">
+              <a:shade val="50000"/>
+            </a:schemeClr>
+          </a:lnRef>
+          <a:fillRef idx="1">
+            <a:schemeClr val="accent1"/>
+          </a:fillRef>
+          <a:effectRef idx="0">
+            <a:schemeClr val="accent1"/>
+          </a:effectRef>
+          <a:fontRef idx="minor">
+            <a:schemeClr val="lt1"/>
+          </a:fontRef>
+        </p:style>
+        <p:txBody>
+          <a:bodyPr rtlCol="0" anchor="ctr"/>
+          <a:lstStyle/>
+          <a:p>
+            <a:pPr algn="ctr"/>
+            <a:endParaRPr kumimoji="1" lang="ja-JP" altLang="en-US"/>
+          </a:p>
+        </p:txBody>
+      </p:sp>
+      <p:sp>
+        <p:nvSpPr>
+          <p:cNvPr id="35" name="正方形/長方形 34">
+            <a:extLst>
+              <a:ext uri="{FF2B5EF4-FFF2-40B4-BE49-F238E27FC236}">
+                <a16:creationId xmlns:a16="http://schemas.microsoft.com/office/drawing/2014/main" id="{E0A56E36-E229-F442-AF53-457B520875D5}"/>
+              </a:ext>
+            </a:extLst>
+          </p:cNvPr>
+          <p:cNvSpPr/>
+          <p:nvPr/>
+        </p:nvSpPr>
+        <p:spPr>
+          <a:xfrm>
+            <a:off x="7878955" y="7864053"/>
+            <a:ext cx="720000" cy="720000"/>
+          </a:xfrm>
+          <a:prstGeom prst="rect">
+            <a:avLst/>
+          </a:prstGeom>
+        </p:spPr>
+        <p:style>
+          <a:lnRef idx="2">
+            <a:schemeClr val="accent1">
+              <a:shade val="50000"/>
+            </a:schemeClr>
+          </a:lnRef>
+          <a:fillRef idx="1">
+            <a:schemeClr val="accent1"/>
+          </a:fillRef>
+          <a:effectRef idx="0">
+            <a:schemeClr val="accent1"/>
+          </a:effectRef>
+          <a:fontRef idx="minor">
+            <a:schemeClr val="lt1"/>
+          </a:fontRef>
+        </p:style>
+        <p:txBody>
+          <a:bodyPr rtlCol="0" anchor="ctr"/>
+          <a:lstStyle/>
+          <a:p>
+            <a:pPr algn="ctr"/>
+            <a:endParaRPr kumimoji="1" lang="ja-JP" altLang="en-US"/>
+          </a:p>
+        </p:txBody>
+      </p:sp>
+      <p:sp>
+        <p:nvSpPr>
+          <p:cNvPr id="36" name="正方形/長方形 35">
+            <a:extLst>
+              <a:ext uri="{FF2B5EF4-FFF2-40B4-BE49-F238E27FC236}">
+                <a16:creationId xmlns:a16="http://schemas.microsoft.com/office/drawing/2014/main" id="{6E70BF3C-25AB-6F42-AC3D-EC241268AEC5}"/>
+              </a:ext>
+            </a:extLst>
+          </p:cNvPr>
+          <p:cNvSpPr/>
+          <p:nvPr/>
+        </p:nvSpPr>
+        <p:spPr>
+          <a:xfrm>
+            <a:off x="8602099" y="7864053"/>
+            <a:ext cx="720000" cy="720000"/>
+          </a:xfrm>
+          <a:prstGeom prst="rect">
+            <a:avLst/>
+          </a:prstGeom>
+        </p:spPr>
+        <p:style>
+          <a:lnRef idx="2">
+            <a:schemeClr val="accent1">
+              <a:shade val="50000"/>
+            </a:schemeClr>
+          </a:lnRef>
+          <a:fillRef idx="1">
+            <a:schemeClr val="accent1"/>
+          </a:fillRef>
+          <a:effectRef idx="0">
+            <a:schemeClr val="accent1"/>
+          </a:effectRef>
+          <a:fontRef idx="minor">
+            <a:schemeClr val="lt1"/>
+          </a:fontRef>
+        </p:style>
+        <p:txBody>
+          <a:bodyPr rtlCol="0" anchor="ctr"/>
+          <a:lstStyle/>
+          <a:p>
+            <a:pPr algn="ctr"/>
+            <a:endParaRPr kumimoji="1" lang="ja-JP" altLang="en-US"/>
+          </a:p>
+        </p:txBody>
+      </p:sp>
+      <p:sp>
+        <p:nvSpPr>
+          <p:cNvPr id="43" name="正方形/長方形 42">
+            <a:extLst>
+              <a:ext uri="{FF2B5EF4-FFF2-40B4-BE49-F238E27FC236}">
+                <a16:creationId xmlns:a16="http://schemas.microsoft.com/office/drawing/2014/main" id="{8F18D3B8-45FC-4F46-A0C8-7A9016E1D683}"/>
+              </a:ext>
+            </a:extLst>
+          </p:cNvPr>
+          <p:cNvSpPr/>
+          <p:nvPr/>
+        </p:nvSpPr>
+        <p:spPr>
+          <a:xfrm>
+            <a:off x="5715811" y="6424053"/>
+            <a:ext cx="720000" cy="576000"/>
+          </a:xfrm>
+          <a:prstGeom prst="rect">
+            <a:avLst/>
+          </a:prstGeom>
+          <a:solidFill>
+            <a:schemeClr val="bg2"/>
+          </a:solidFill>
+        </p:spPr>
+        <p:style>
+          <a:lnRef idx="2">
+            <a:schemeClr val="accent1">
+              <a:shade val="50000"/>
+            </a:schemeClr>
+          </a:lnRef>
+          <a:fillRef idx="1">
+            <a:schemeClr val="accent1"/>
+          </a:fillRef>
+          <a:effectRef idx="0">
+            <a:schemeClr val="accent1"/>
+          </a:effectRef>
+          <a:fontRef idx="minor">
+            <a:schemeClr val="lt1"/>
+          </a:fontRef>
+        </p:style>
+        <p:txBody>
+          <a:bodyPr rtlCol="0" anchor="ctr"/>
+          <a:lstStyle/>
+          <a:p>
+            <a:pPr algn="ctr"/>
+            <a:endParaRPr kumimoji="1" lang="ja-JP" altLang="en-US"/>
+          </a:p>
+        </p:txBody>
+      </p:sp>
+      <p:sp>
+        <p:nvSpPr>
+          <p:cNvPr id="44" name="正方形/長方形 43">
+            <a:extLst>
+              <a:ext uri="{FF2B5EF4-FFF2-40B4-BE49-F238E27FC236}">
+                <a16:creationId xmlns:a16="http://schemas.microsoft.com/office/drawing/2014/main" id="{81836B5F-468A-7544-8BEE-C408590F1818}"/>
+              </a:ext>
+            </a:extLst>
+          </p:cNvPr>
+          <p:cNvSpPr/>
+          <p:nvPr/>
+        </p:nvSpPr>
+        <p:spPr>
+          <a:xfrm>
+            <a:off x="6437383" y="6424053"/>
+            <a:ext cx="720000" cy="576000"/>
+          </a:xfrm>
+          <a:prstGeom prst="rect">
+            <a:avLst/>
+          </a:prstGeom>
+          <a:solidFill>
+            <a:schemeClr val="bg2"/>
+          </a:solidFill>
+        </p:spPr>
+        <p:style>
+          <a:lnRef idx="2">
+            <a:schemeClr val="accent1">
+              <a:shade val="50000"/>
+            </a:schemeClr>
+          </a:lnRef>
+          <a:fillRef idx="1">
+            <a:schemeClr val="accent1"/>
+          </a:fillRef>
+          <a:effectRef idx="0">
+            <a:schemeClr val="accent1"/>
+          </a:effectRef>
+          <a:fontRef idx="minor">
+            <a:schemeClr val="lt1"/>
+          </a:fontRef>
+        </p:style>
+        <p:txBody>
+          <a:bodyPr rtlCol="0" anchor="ctr"/>
+          <a:lstStyle/>
+          <a:p>
+            <a:pPr algn="ctr"/>
+            <a:endParaRPr kumimoji="1" lang="ja-JP" altLang="en-US"/>
+          </a:p>
+        </p:txBody>
+      </p:sp>
+      <p:sp>
+        <p:nvSpPr>
+          <p:cNvPr id="45" name="正方形/長方形 44">
+            <a:extLst>
+              <a:ext uri="{FF2B5EF4-FFF2-40B4-BE49-F238E27FC236}">
+                <a16:creationId xmlns:a16="http://schemas.microsoft.com/office/drawing/2014/main" id="{F2C718D9-92D6-AC48-BC99-DDC002306B4C}"/>
+              </a:ext>
+            </a:extLst>
+          </p:cNvPr>
+          <p:cNvSpPr/>
+          <p:nvPr/>
+        </p:nvSpPr>
+        <p:spPr>
+          <a:xfrm>
+            <a:off x="7157383" y="6424053"/>
+            <a:ext cx="720000" cy="576000"/>
+          </a:xfrm>
+          <a:prstGeom prst="rect">
+            <a:avLst/>
+          </a:prstGeom>
+          <a:solidFill>
+            <a:schemeClr val="bg2"/>
+          </a:solidFill>
+        </p:spPr>
+        <p:style>
+          <a:lnRef idx="2">
+            <a:schemeClr val="accent1">
+              <a:shade val="50000"/>
+            </a:schemeClr>
+          </a:lnRef>
+          <a:fillRef idx="1">
+            <a:schemeClr val="accent1"/>
+          </a:fillRef>
+          <a:effectRef idx="0">
+            <a:schemeClr val="accent1"/>
+          </a:effectRef>
+          <a:fontRef idx="minor">
+            <a:schemeClr val="lt1"/>
+          </a:fontRef>
+        </p:style>
+        <p:txBody>
+          <a:bodyPr rtlCol="0" anchor="ctr"/>
+          <a:lstStyle/>
+          <a:p>
+            <a:pPr algn="ctr"/>
+            <a:endParaRPr kumimoji="1" lang="ja-JP" altLang="en-US"/>
+          </a:p>
+        </p:txBody>
+      </p:sp>
+      <p:sp>
+        <p:nvSpPr>
+          <p:cNvPr id="46" name="正方形/長方形 45">
+            <a:extLst>
+              <a:ext uri="{FF2B5EF4-FFF2-40B4-BE49-F238E27FC236}">
+                <a16:creationId xmlns:a16="http://schemas.microsoft.com/office/drawing/2014/main" id="{FBD3E085-200F-344D-9545-93891CB50175}"/>
+              </a:ext>
+            </a:extLst>
+          </p:cNvPr>
+          <p:cNvSpPr/>
+          <p:nvPr/>
+        </p:nvSpPr>
+        <p:spPr>
+          <a:xfrm>
+            <a:off x="7878955" y="6424053"/>
+            <a:ext cx="720000" cy="576000"/>
+          </a:xfrm>
+          <a:prstGeom prst="rect">
+            <a:avLst/>
+          </a:prstGeom>
+          <a:solidFill>
+            <a:schemeClr val="bg2"/>
+          </a:solidFill>
+        </p:spPr>
+        <p:style>
+          <a:lnRef idx="2">
+            <a:schemeClr val="accent1">
+              <a:shade val="50000"/>
+            </a:schemeClr>
+          </a:lnRef>
+          <a:fillRef idx="1">
+            <a:schemeClr val="accent1"/>
+          </a:fillRef>
+          <a:effectRef idx="0">
+            <a:schemeClr val="accent1"/>
+          </a:effectRef>
+          <a:fontRef idx="minor">
+            <a:schemeClr val="lt1"/>
+          </a:fontRef>
+        </p:style>
+        <p:txBody>
+          <a:bodyPr rtlCol="0" anchor="ctr"/>
+          <a:lstStyle/>
+          <a:p>
+            <a:pPr algn="ctr"/>
+            <a:endParaRPr kumimoji="1" lang="ja-JP" altLang="en-US"/>
+          </a:p>
+        </p:txBody>
+      </p:sp>
+      <p:sp>
+        <p:nvSpPr>
+          <p:cNvPr id="47" name="正方形/長方形 46">
+            <a:extLst>
+              <a:ext uri="{FF2B5EF4-FFF2-40B4-BE49-F238E27FC236}">
+                <a16:creationId xmlns:a16="http://schemas.microsoft.com/office/drawing/2014/main" id="{B5742556-0FE2-804B-BEC4-1ACBBA4D49B0}"/>
+              </a:ext>
+            </a:extLst>
+          </p:cNvPr>
+          <p:cNvSpPr/>
+          <p:nvPr/>
+        </p:nvSpPr>
+        <p:spPr>
+          <a:xfrm>
+            <a:off x="8597383" y="6424053"/>
+            <a:ext cx="720000" cy="576000"/>
+          </a:xfrm>
+          <a:prstGeom prst="rect">
+            <a:avLst/>
+          </a:prstGeom>
+          <a:solidFill>
+            <a:schemeClr val="bg2"/>
+          </a:solidFill>
+        </p:spPr>
+        <p:style>
+          <a:lnRef idx="2">
+            <a:schemeClr val="accent1">
+              <a:shade val="50000"/>
+            </a:schemeClr>
+          </a:lnRef>
+          <a:fillRef idx="1">
+            <a:schemeClr val="accent1"/>
+          </a:fillRef>
+          <a:effectRef idx="0">
+            <a:schemeClr val="accent1"/>
+          </a:effectRef>
+          <a:fontRef idx="minor">
+            <a:schemeClr val="lt1"/>
+          </a:fontRef>
+        </p:style>
+        <p:txBody>
+          <a:bodyPr rtlCol="0" anchor="ctr"/>
+          <a:lstStyle/>
+          <a:p>
+            <a:pPr algn="ctr"/>
+            <a:endParaRPr kumimoji="1" lang="ja-JP" altLang="en-US"/>
+          </a:p>
+        </p:txBody>
+      </p:sp>
+      <p:sp>
+        <p:nvSpPr>
+          <p:cNvPr id="54" name="正方形/長方形 53">
+            <a:extLst>
+              <a:ext uri="{FF2B5EF4-FFF2-40B4-BE49-F238E27FC236}">
+                <a16:creationId xmlns:a16="http://schemas.microsoft.com/office/drawing/2014/main" id="{7BBD716A-0830-6F46-BFA5-D468CB676FF1}"/>
+              </a:ext>
+            </a:extLst>
+          </p:cNvPr>
+          <p:cNvSpPr/>
+          <p:nvPr/>
+        </p:nvSpPr>
+        <p:spPr>
+          <a:xfrm>
+            <a:off x="5720527" y="4984053"/>
+            <a:ext cx="720000" cy="576000"/>
+          </a:xfrm>
+          <a:prstGeom prst="rect">
+            <a:avLst/>
+          </a:prstGeom>
+          <a:solidFill>
+            <a:schemeClr val="bg2"/>
+          </a:solidFill>
+        </p:spPr>
+        <p:style>
+          <a:lnRef idx="2">
+            <a:schemeClr val="accent1">
+              <a:shade val="50000"/>
+            </a:schemeClr>
+          </a:lnRef>
+          <a:fillRef idx="1">
+            <a:schemeClr val="accent1"/>
+          </a:fillRef>
+          <a:effectRef idx="0">
+            <a:schemeClr val="accent1"/>
+          </a:effectRef>
+          <a:fontRef idx="minor">
+            <a:schemeClr val="lt1"/>
+          </a:fontRef>
+        </p:style>
+        <p:txBody>
+          <a:bodyPr rtlCol="0" anchor="ctr"/>
+          <a:lstStyle/>
+          <a:p>
+            <a:pPr algn="ctr"/>
+            <a:endParaRPr kumimoji="1" lang="ja-JP" altLang="en-US"/>
+          </a:p>
+        </p:txBody>
+      </p:sp>
+      <p:sp>
+        <p:nvSpPr>
+          <p:cNvPr id="55" name="正方形/長方形 54">
+            <a:extLst>
+              <a:ext uri="{FF2B5EF4-FFF2-40B4-BE49-F238E27FC236}">
+                <a16:creationId xmlns:a16="http://schemas.microsoft.com/office/drawing/2014/main" id="{40345ACB-7F60-2C4D-A279-99C57237D148}"/>
+              </a:ext>
+            </a:extLst>
+          </p:cNvPr>
+          <p:cNvSpPr/>
+          <p:nvPr/>
+        </p:nvSpPr>
+        <p:spPr>
+          <a:xfrm>
+            <a:off x="6442099" y="4984053"/>
+            <a:ext cx="720000" cy="576000"/>
+          </a:xfrm>
+          <a:prstGeom prst="rect">
+            <a:avLst/>
+          </a:prstGeom>
+          <a:solidFill>
+            <a:schemeClr val="bg2"/>
+          </a:solidFill>
+        </p:spPr>
+        <p:style>
+          <a:lnRef idx="2">
+            <a:schemeClr val="accent1">
+              <a:shade val="50000"/>
+            </a:schemeClr>
+          </a:lnRef>
+          <a:fillRef idx="1">
+            <a:schemeClr val="accent1"/>
+          </a:fillRef>
+          <a:effectRef idx="0">
+            <a:schemeClr val="accent1"/>
+          </a:effectRef>
+          <a:fontRef idx="minor">
+            <a:schemeClr val="lt1"/>
+          </a:fontRef>
+        </p:style>
+        <p:txBody>
+          <a:bodyPr rtlCol="0" anchor="ctr"/>
+          <a:lstStyle/>
+          <a:p>
+            <a:pPr algn="ctr"/>
+            <a:endParaRPr kumimoji="1" lang="ja-JP" altLang="en-US"/>
+          </a:p>
+        </p:txBody>
+      </p:sp>
+      <p:sp>
+        <p:nvSpPr>
+          <p:cNvPr id="56" name="正方形/長方形 55">
+            <a:extLst>
+              <a:ext uri="{FF2B5EF4-FFF2-40B4-BE49-F238E27FC236}">
+                <a16:creationId xmlns:a16="http://schemas.microsoft.com/office/drawing/2014/main" id="{5BB525D8-B26D-C640-940F-977A8B9B872B}"/>
+              </a:ext>
+            </a:extLst>
+          </p:cNvPr>
+          <p:cNvSpPr/>
+          <p:nvPr/>
+        </p:nvSpPr>
+        <p:spPr>
+          <a:xfrm>
+            <a:off x="7162099" y="4984053"/>
+            <a:ext cx="720000" cy="576000"/>
+          </a:xfrm>
+          <a:prstGeom prst="rect">
+            <a:avLst/>
+          </a:prstGeom>
+          <a:solidFill>
+            <a:schemeClr val="bg2"/>
+          </a:solidFill>
+        </p:spPr>
+        <p:style>
+          <a:lnRef idx="2">
+            <a:schemeClr val="accent1">
+              <a:shade val="50000"/>
+            </a:schemeClr>
+          </a:lnRef>
+          <a:fillRef idx="1">
+            <a:schemeClr val="accent1"/>
+          </a:fillRef>
+          <a:effectRef idx="0">
+            <a:schemeClr val="accent1"/>
+          </a:effectRef>
+          <a:fontRef idx="minor">
+            <a:schemeClr val="lt1"/>
+          </a:fontRef>
+        </p:style>
+        <p:txBody>
+          <a:bodyPr rtlCol="0" anchor="ctr"/>
+          <a:lstStyle/>
+          <a:p>
+            <a:pPr algn="ctr"/>
+            <a:endParaRPr kumimoji="1" lang="ja-JP" altLang="en-US"/>
+          </a:p>
+        </p:txBody>
+      </p:sp>
+      <p:sp>
+        <p:nvSpPr>
+          <p:cNvPr id="57" name="正方形/長方形 56">
+            <a:extLst>
+              <a:ext uri="{FF2B5EF4-FFF2-40B4-BE49-F238E27FC236}">
+                <a16:creationId xmlns:a16="http://schemas.microsoft.com/office/drawing/2014/main" id="{C8BF655F-08B8-A948-BADF-E69F44AF604B}"/>
+              </a:ext>
+            </a:extLst>
+          </p:cNvPr>
+          <p:cNvSpPr/>
+          <p:nvPr/>
+        </p:nvSpPr>
+        <p:spPr>
+          <a:xfrm>
+            <a:off x="7883671" y="4984053"/>
+            <a:ext cx="720000" cy="576000"/>
+          </a:xfrm>
+          <a:prstGeom prst="rect">
+            <a:avLst/>
+          </a:prstGeom>
+          <a:solidFill>
+            <a:schemeClr val="bg2"/>
+          </a:solidFill>
+        </p:spPr>
+        <p:style>
+          <a:lnRef idx="2">
+            <a:schemeClr val="accent1">
+              <a:shade val="50000"/>
+            </a:schemeClr>
+          </a:lnRef>
+          <a:fillRef idx="1">
+            <a:schemeClr val="accent1"/>
+          </a:fillRef>
+          <a:effectRef idx="0">
+            <a:schemeClr val="accent1"/>
+          </a:effectRef>
+          <a:fontRef idx="minor">
+            <a:schemeClr val="lt1"/>
+          </a:fontRef>
+        </p:style>
+        <p:txBody>
+          <a:bodyPr rtlCol="0" anchor="ctr"/>
+          <a:lstStyle/>
+          <a:p>
+            <a:pPr algn="ctr"/>
+            <a:endParaRPr kumimoji="1" lang="ja-JP" altLang="en-US"/>
+          </a:p>
+        </p:txBody>
+      </p:sp>
+      <p:sp>
+        <p:nvSpPr>
+          <p:cNvPr id="58" name="正方形/長方形 57">
+            <a:extLst>
+              <a:ext uri="{FF2B5EF4-FFF2-40B4-BE49-F238E27FC236}">
+                <a16:creationId xmlns:a16="http://schemas.microsoft.com/office/drawing/2014/main" id="{37883EFF-1B20-674F-9555-C6A04C2EAAB4}"/>
+              </a:ext>
+            </a:extLst>
+          </p:cNvPr>
+          <p:cNvSpPr/>
+          <p:nvPr/>
+        </p:nvSpPr>
+        <p:spPr>
+          <a:xfrm>
+            <a:off x="8602099" y="4984053"/>
+            <a:ext cx="720000" cy="576000"/>
+          </a:xfrm>
+          <a:prstGeom prst="rect">
+            <a:avLst/>
+          </a:prstGeom>
+          <a:solidFill>
+            <a:schemeClr val="bg2"/>
+          </a:solidFill>
+        </p:spPr>
+        <p:style>
+          <a:lnRef idx="2">
+            <a:schemeClr val="accent1">
+              <a:shade val="50000"/>
+            </a:schemeClr>
+          </a:lnRef>
+          <a:fillRef idx="1">
+            <a:schemeClr val="accent1"/>
+          </a:fillRef>
+          <a:effectRef idx="0">
+            <a:schemeClr val="accent1"/>
+          </a:effectRef>
+          <a:fontRef idx="minor">
+            <a:schemeClr val="lt1"/>
+          </a:fontRef>
+        </p:style>
+        <p:txBody>
+          <a:bodyPr rtlCol="0" anchor="ctr"/>
+          <a:lstStyle/>
+          <a:p>
+            <a:pPr algn="ctr"/>
+            <a:endParaRPr kumimoji="1" lang="ja-JP" altLang="en-US"/>
+          </a:p>
+        </p:txBody>
+      </p:sp>
+      <p:sp>
+        <p:nvSpPr>
+          <p:cNvPr id="80" name="正方形/長方形 79">
+            <a:extLst>
+              <a:ext uri="{FF2B5EF4-FFF2-40B4-BE49-F238E27FC236}">
+                <a16:creationId xmlns:a16="http://schemas.microsoft.com/office/drawing/2014/main" id="{2597D323-52F9-1748-8084-3ECCB8E26E78}"/>
+              </a:ext>
+            </a:extLst>
+          </p:cNvPr>
+          <p:cNvSpPr/>
+          <p:nvPr/>
+        </p:nvSpPr>
+        <p:spPr>
+          <a:xfrm flipH="1">
+            <a:off x="2793420" y="7748101"/>
+            <a:ext cx="720000" cy="720000"/>
+          </a:xfrm>
+          <a:prstGeom prst="rect">
+            <a:avLst/>
+          </a:prstGeom>
+        </p:spPr>
+        <p:style>
+          <a:lnRef idx="2">
+            <a:schemeClr val="accent1">
+              <a:shade val="50000"/>
+            </a:schemeClr>
+          </a:lnRef>
+          <a:fillRef idx="1">
+            <a:schemeClr val="accent1"/>
+          </a:fillRef>
+          <a:effectRef idx="0">
+            <a:schemeClr val="accent1"/>
+          </a:effectRef>
+          <a:fontRef idx="minor">
+            <a:schemeClr val="lt1"/>
+          </a:fontRef>
+        </p:style>
+        <p:txBody>
+          <a:bodyPr rtlCol="0" anchor="ctr"/>
+          <a:lstStyle/>
+          <a:p>
+            <a:pPr algn="ctr"/>
+            <a:endParaRPr kumimoji="1" lang="ja-JP" altLang="en-US"/>
+          </a:p>
+        </p:txBody>
+      </p:sp>
+      <p:sp>
+        <p:nvSpPr>
+          <p:cNvPr id="81" name="正方形/長方形 80">
+            <a:extLst>
+              <a:ext uri="{FF2B5EF4-FFF2-40B4-BE49-F238E27FC236}">
+                <a16:creationId xmlns:a16="http://schemas.microsoft.com/office/drawing/2014/main" id="{580E0ABB-A1EB-6F4E-8AAC-F12435B2EE22}"/>
+              </a:ext>
+            </a:extLst>
+          </p:cNvPr>
+          <p:cNvSpPr/>
+          <p:nvPr/>
+        </p:nvSpPr>
+        <p:spPr>
+          <a:xfrm flipH="1">
+            <a:off x="2073420" y="7748101"/>
+            <a:ext cx="720000" cy="720000"/>
+          </a:xfrm>
+          <a:prstGeom prst="rect">
+            <a:avLst/>
+          </a:prstGeom>
+        </p:spPr>
+        <p:style>
+          <a:lnRef idx="2">
+            <a:schemeClr val="accent1">
+              <a:shade val="50000"/>
+            </a:schemeClr>
+          </a:lnRef>
+          <a:fillRef idx="1">
+            <a:schemeClr val="accent1"/>
+          </a:fillRef>
+          <a:effectRef idx="0">
+            <a:schemeClr val="accent1"/>
+          </a:effectRef>
+          <a:fontRef idx="minor">
+            <a:schemeClr val="lt1"/>
+          </a:fontRef>
+        </p:style>
+        <p:txBody>
+          <a:bodyPr rtlCol="0" anchor="ctr"/>
+          <a:lstStyle/>
+          <a:p>
+            <a:pPr algn="ctr"/>
+            <a:endParaRPr kumimoji="1" lang="ja-JP" altLang="en-US"/>
+          </a:p>
+        </p:txBody>
+      </p:sp>
+      <p:sp>
+        <p:nvSpPr>
+          <p:cNvPr id="82" name="正方形/長方形 81">
+            <a:extLst>
+              <a:ext uri="{FF2B5EF4-FFF2-40B4-BE49-F238E27FC236}">
+                <a16:creationId xmlns:a16="http://schemas.microsoft.com/office/drawing/2014/main" id="{84220508-370E-3346-A688-F82AD4364401}"/>
+              </a:ext>
+            </a:extLst>
+          </p:cNvPr>
+          <p:cNvSpPr/>
+          <p:nvPr/>
+        </p:nvSpPr>
+        <p:spPr>
+          <a:xfrm flipH="1">
+            <a:off x="1353420" y="7748101"/>
+            <a:ext cx="720000" cy="720000"/>
+          </a:xfrm>
+          <a:prstGeom prst="rect">
+            <a:avLst/>
+          </a:prstGeom>
+        </p:spPr>
+        <p:style>
+          <a:lnRef idx="2">
+            <a:schemeClr val="accent1">
+              <a:shade val="50000"/>
+            </a:schemeClr>
+          </a:lnRef>
+          <a:fillRef idx="1">
+            <a:schemeClr val="accent1"/>
+          </a:fillRef>
+          <a:effectRef idx="0">
+            <a:schemeClr val="accent1"/>
+          </a:effectRef>
+          <a:fontRef idx="minor">
+            <a:schemeClr val="lt1"/>
+          </a:fontRef>
+        </p:style>
+        <p:txBody>
+          <a:bodyPr rtlCol="0" anchor="ctr"/>
+          <a:lstStyle/>
+          <a:p>
+            <a:pPr algn="ctr"/>
+            <a:endParaRPr kumimoji="1" lang="ja-JP" altLang="en-US"/>
+          </a:p>
+        </p:txBody>
+      </p:sp>
+      <p:sp>
+        <p:nvSpPr>
+          <p:cNvPr id="83" name="正方形/長方形 82">
+            <a:extLst>
+              <a:ext uri="{FF2B5EF4-FFF2-40B4-BE49-F238E27FC236}">
+                <a16:creationId xmlns:a16="http://schemas.microsoft.com/office/drawing/2014/main" id="{3FA39163-1A68-E344-A99A-514E77EB5E8C}"/>
+              </a:ext>
+            </a:extLst>
+          </p:cNvPr>
+          <p:cNvSpPr/>
+          <p:nvPr/>
+        </p:nvSpPr>
+        <p:spPr>
+          <a:xfrm flipH="1">
+            <a:off x="633420" y="7748101"/>
+            <a:ext cx="720000" cy="720000"/>
+          </a:xfrm>
+          <a:prstGeom prst="rect">
+            <a:avLst/>
+          </a:prstGeom>
+        </p:spPr>
+        <p:style>
+          <a:lnRef idx="2">
+            <a:schemeClr val="accent1">
+              <a:shade val="50000"/>
+            </a:schemeClr>
+          </a:lnRef>
+          <a:fillRef idx="1">
+            <a:schemeClr val="accent1"/>
+          </a:fillRef>
+          <a:effectRef idx="0">
+            <a:schemeClr val="accent1"/>
+          </a:effectRef>
+          <a:fontRef idx="minor">
+            <a:schemeClr val="lt1"/>
+          </a:fontRef>
+        </p:style>
+        <p:txBody>
+          <a:bodyPr rtlCol="0" anchor="ctr"/>
+          <a:lstStyle/>
+          <a:p>
+            <a:pPr algn="ctr"/>
+            <a:endParaRPr kumimoji="1" lang="ja-JP" altLang="en-US"/>
+          </a:p>
+        </p:txBody>
+      </p:sp>
+      <p:sp>
+        <p:nvSpPr>
+          <p:cNvPr id="84" name="正方形/長方形 83">
+            <a:extLst>
+              <a:ext uri="{FF2B5EF4-FFF2-40B4-BE49-F238E27FC236}">
+                <a16:creationId xmlns:a16="http://schemas.microsoft.com/office/drawing/2014/main" id="{AB32D6DD-064D-E647-9A94-AAE989AFD841}"/>
+              </a:ext>
+            </a:extLst>
+          </p:cNvPr>
+          <p:cNvSpPr/>
+          <p:nvPr/>
+        </p:nvSpPr>
+        <p:spPr>
+          <a:xfrm flipH="1">
+            <a:off x="-89724" y="7748101"/>
+            <a:ext cx="720000" cy="720000"/>
+          </a:xfrm>
+          <a:prstGeom prst="rect">
+            <a:avLst/>
+          </a:prstGeom>
+        </p:spPr>
+        <p:style>
+          <a:lnRef idx="2">
+            <a:schemeClr val="accent1">
+              <a:shade val="50000"/>
+            </a:schemeClr>
+          </a:lnRef>
+          <a:fillRef idx="1">
+            <a:schemeClr val="accent1"/>
+          </a:fillRef>
+          <a:effectRef idx="0">
+            <a:schemeClr val="accent1"/>
+          </a:effectRef>
+          <a:fontRef idx="minor">
+            <a:schemeClr val="lt1"/>
+          </a:fontRef>
+        </p:style>
+        <p:txBody>
+          <a:bodyPr rtlCol="0" anchor="ctr"/>
+          <a:lstStyle/>
+          <a:p>
+            <a:pPr algn="ctr"/>
+            <a:endParaRPr kumimoji="1" lang="ja-JP" altLang="en-US"/>
+          </a:p>
+        </p:txBody>
+      </p:sp>
+      <p:sp>
+        <p:nvSpPr>
+          <p:cNvPr id="95" name="テキスト ボックス 94">
+            <a:extLst>
+              <a:ext uri="{FF2B5EF4-FFF2-40B4-BE49-F238E27FC236}">
+                <a16:creationId xmlns:a16="http://schemas.microsoft.com/office/drawing/2014/main" id="{980E2627-645B-F742-B6E7-973FE40CA5B4}"/>
+              </a:ext>
+            </a:extLst>
+          </p:cNvPr>
+          <p:cNvSpPr txBox="1"/>
+          <p:nvPr/>
+        </p:nvSpPr>
+        <p:spPr>
+          <a:xfrm>
+            <a:off x="6434239" y="3981807"/>
+            <a:ext cx="2768312" cy="523220"/>
+          </a:xfrm>
+          <a:prstGeom prst="rect">
+            <a:avLst/>
+          </a:prstGeom>
+          <a:noFill/>
+        </p:spPr>
+        <p:txBody>
+          <a:bodyPr wrap="square" rtlCol="0">
+            <a:spAutoFit/>
+          </a:bodyPr>
+          <a:lstStyle/>
+          <a:p>
+            <a:r>
+              <a:rPr lang="ja-JP" altLang="en-US" sz="2800"/>
+              <a:t>臨界</a:t>
+            </a:r>
+            <a:r>
+              <a:rPr kumimoji="1" lang="ja-JP" altLang="en-US" sz="2800"/>
+              <a:t>膜厚</a:t>
+            </a:r>
+            <a:r>
+              <a:rPr kumimoji="1" lang="en-US" altLang="ja-JP" sz="2800" dirty="0"/>
+              <a:t>d </a:t>
+            </a:r>
+            <a:r>
+              <a:rPr kumimoji="1" lang="ja-JP" altLang="en-US" sz="2800"/>
+              <a:t>大</a:t>
+            </a:r>
+          </a:p>
+        </p:txBody>
+      </p:sp>
+      <p:grpSp>
+        <p:nvGrpSpPr>
+          <p:cNvPr id="2" name="グループ化 1">
+            <a:extLst>
+              <a:ext uri="{FF2B5EF4-FFF2-40B4-BE49-F238E27FC236}">
+                <a16:creationId xmlns:a16="http://schemas.microsoft.com/office/drawing/2014/main" id="{485E3FD6-B154-0044-B8D4-ECFABE415FCF}"/>
+              </a:ext>
+            </a:extLst>
+          </p:cNvPr>
+          <p:cNvGrpSpPr/>
+          <p:nvPr/>
+        </p:nvGrpSpPr>
+        <p:grpSpPr>
+          <a:xfrm>
+            <a:off x="-471324" y="6858000"/>
+            <a:ext cx="4369488" cy="864098"/>
+            <a:chOff x="-2438998" y="3448357"/>
+            <a:chExt cx="4369488" cy="864098"/>
+          </a:xfrm>
+        </p:grpSpPr>
+        <p:sp>
+          <p:nvSpPr>
+            <p:cNvPr id="60" name="正方形/長方形 59">
+              <a:extLst>
+                <a:ext uri="{FF2B5EF4-FFF2-40B4-BE49-F238E27FC236}">
+                  <a16:creationId xmlns:a16="http://schemas.microsoft.com/office/drawing/2014/main" id="{AA17A728-C8F5-724A-B2FB-E2F674A347A9}"/>
+                </a:ext>
+              </a:extLst>
+            </p:cNvPr>
+            <p:cNvSpPr/>
+            <p:nvPr/>
+          </p:nvSpPr>
+          <p:spPr>
+            <a:xfrm>
+              <a:off x="-2438998" y="3448455"/>
+              <a:ext cx="864000" cy="864000"/>
+            </a:xfrm>
+            <a:prstGeom prst="rect">
+              <a:avLst/>
+            </a:prstGeom>
+            <a:solidFill>
+              <a:srgbClr val="FF0000"/>
+            </a:solidFill>
+          </p:spPr>
+          <p:style>
+            <a:lnRef idx="2">
+              <a:schemeClr val="accent1">
+                <a:shade val="50000"/>
+              </a:schemeClr>
+            </a:lnRef>
+            <a:fillRef idx="1">
+              <a:schemeClr val="accent1"/>
+            </a:fillRef>
+            <a:effectRef idx="0">
+              <a:schemeClr val="accent1"/>
+            </a:effectRef>
+            <a:fontRef idx="minor">
+              <a:schemeClr val="lt1"/>
+            </a:fontRef>
+          </p:style>
+          <p:txBody>
+            <a:bodyPr rtlCol="0" anchor="ctr"/>
+            <a:lstStyle/>
+            <a:p>
+              <a:pPr algn="ctr"/>
+              <a:endParaRPr kumimoji="1" lang="ja-JP" altLang="en-US"/>
+            </a:p>
+          </p:txBody>
+        </p:sp>
+        <p:sp>
+          <p:nvSpPr>
+            <p:cNvPr id="61" name="正方形/長方形 60">
+              <a:extLst>
+                <a:ext uri="{FF2B5EF4-FFF2-40B4-BE49-F238E27FC236}">
+                  <a16:creationId xmlns:a16="http://schemas.microsoft.com/office/drawing/2014/main" id="{50A3FED3-88DC-1942-A384-0607B823A9E5}"/>
+                </a:ext>
+              </a:extLst>
+            </p:cNvPr>
+            <p:cNvSpPr/>
+            <p:nvPr/>
+          </p:nvSpPr>
+          <p:spPr>
+            <a:xfrm>
+              <a:off x="-1568612" y="3448455"/>
+              <a:ext cx="864000" cy="864000"/>
+            </a:xfrm>
+            <a:prstGeom prst="rect">
+              <a:avLst/>
+            </a:prstGeom>
+            <a:solidFill>
+              <a:srgbClr val="FF0000"/>
+            </a:solidFill>
+          </p:spPr>
+          <p:style>
+            <a:lnRef idx="2">
+              <a:schemeClr val="accent1">
+                <a:shade val="50000"/>
+              </a:schemeClr>
+            </a:lnRef>
+            <a:fillRef idx="1">
+              <a:schemeClr val="accent1"/>
+            </a:fillRef>
+            <a:effectRef idx="0">
+              <a:schemeClr val="accent1"/>
+            </a:effectRef>
+            <a:fontRef idx="minor">
+              <a:schemeClr val="lt1"/>
+            </a:fontRef>
+          </p:style>
+          <p:txBody>
+            <a:bodyPr rtlCol="0" anchor="ctr"/>
+            <a:lstStyle/>
+            <a:p>
+              <a:pPr algn="ctr"/>
+              <a:endParaRPr kumimoji="1" lang="ja-JP" altLang="en-US"/>
+            </a:p>
+          </p:txBody>
+        </p:sp>
+        <p:sp>
+          <p:nvSpPr>
+            <p:cNvPr id="62" name="正方形/長方形 61">
+              <a:extLst>
+                <a:ext uri="{FF2B5EF4-FFF2-40B4-BE49-F238E27FC236}">
+                  <a16:creationId xmlns:a16="http://schemas.microsoft.com/office/drawing/2014/main" id="{EA84C5FC-7AB8-0243-8593-B186801FF298}"/>
+                </a:ext>
+              </a:extLst>
+            </p:cNvPr>
+            <p:cNvSpPr/>
+            <p:nvPr/>
+          </p:nvSpPr>
+          <p:spPr>
+            <a:xfrm>
+              <a:off x="-698226" y="3448455"/>
+              <a:ext cx="864000" cy="864000"/>
+            </a:xfrm>
+            <a:prstGeom prst="rect">
+              <a:avLst/>
+            </a:prstGeom>
+            <a:solidFill>
+              <a:srgbClr val="FF0000"/>
+            </a:solidFill>
+          </p:spPr>
+          <p:style>
+            <a:lnRef idx="2">
+              <a:schemeClr val="accent1">
+                <a:shade val="50000"/>
+              </a:schemeClr>
+            </a:lnRef>
+            <a:fillRef idx="1">
+              <a:schemeClr val="accent1"/>
+            </a:fillRef>
+            <a:effectRef idx="0">
+              <a:schemeClr val="accent1"/>
+            </a:effectRef>
+            <a:fontRef idx="minor">
+              <a:schemeClr val="lt1"/>
+            </a:fontRef>
+          </p:style>
+          <p:txBody>
+            <a:bodyPr rtlCol="0" anchor="ctr"/>
+            <a:lstStyle/>
+            <a:p>
+              <a:pPr algn="ctr"/>
+              <a:endParaRPr kumimoji="1" lang="ja-JP" altLang="en-US"/>
+            </a:p>
+          </p:txBody>
+        </p:sp>
+        <p:sp>
+          <p:nvSpPr>
+            <p:cNvPr id="63" name="正方形/長方形 62">
+              <a:extLst>
+                <a:ext uri="{FF2B5EF4-FFF2-40B4-BE49-F238E27FC236}">
+                  <a16:creationId xmlns:a16="http://schemas.microsoft.com/office/drawing/2014/main" id="{09259BA3-1D24-4141-B08C-DDCA380ACAE0}"/>
+                </a:ext>
+              </a:extLst>
+            </p:cNvPr>
+            <p:cNvSpPr/>
+            <p:nvPr/>
+          </p:nvSpPr>
+          <p:spPr>
+            <a:xfrm>
+              <a:off x="180939" y="3448357"/>
+              <a:ext cx="864000" cy="864000"/>
+            </a:xfrm>
+            <a:prstGeom prst="rect">
+              <a:avLst/>
+            </a:prstGeom>
+            <a:solidFill>
+              <a:srgbClr val="FF0000"/>
+            </a:solidFill>
+          </p:spPr>
+          <p:style>
+            <a:lnRef idx="2">
+              <a:schemeClr val="accent1">
+                <a:shade val="50000"/>
+              </a:schemeClr>
+            </a:lnRef>
+            <a:fillRef idx="1">
+              <a:schemeClr val="accent1"/>
+            </a:fillRef>
+            <a:effectRef idx="0">
+              <a:schemeClr val="accent1"/>
+            </a:effectRef>
+            <a:fontRef idx="minor">
+              <a:schemeClr val="lt1"/>
+            </a:fontRef>
+          </p:style>
+          <p:txBody>
+            <a:bodyPr rtlCol="0" anchor="ctr"/>
+            <a:lstStyle/>
+            <a:p>
+              <a:pPr algn="ctr"/>
+              <a:endParaRPr kumimoji="1" lang="ja-JP" altLang="en-US"/>
+            </a:p>
+          </p:txBody>
+        </p:sp>
+        <p:sp>
+          <p:nvSpPr>
+            <p:cNvPr id="64" name="正方形/長方形 63">
+              <a:extLst>
+                <a:ext uri="{FF2B5EF4-FFF2-40B4-BE49-F238E27FC236}">
+                  <a16:creationId xmlns:a16="http://schemas.microsoft.com/office/drawing/2014/main" id="{3454AC38-C592-A141-B624-5A1E27C93505}"/>
+                </a:ext>
+              </a:extLst>
+            </p:cNvPr>
+            <p:cNvSpPr/>
+            <p:nvPr/>
+          </p:nvSpPr>
+          <p:spPr>
+            <a:xfrm>
+              <a:off x="1066490" y="3448357"/>
+              <a:ext cx="864000" cy="864000"/>
+            </a:xfrm>
+            <a:prstGeom prst="rect">
+              <a:avLst/>
+            </a:prstGeom>
+            <a:solidFill>
+              <a:srgbClr val="FF0000"/>
+            </a:solidFill>
+          </p:spPr>
+          <p:style>
+            <a:lnRef idx="2">
+              <a:schemeClr val="accent1">
+                <a:shade val="50000"/>
+              </a:schemeClr>
+            </a:lnRef>
+            <a:fillRef idx="1">
+              <a:schemeClr val="accent1"/>
+            </a:fillRef>
+            <a:effectRef idx="0">
+              <a:schemeClr val="accent1"/>
+            </a:effectRef>
+            <a:fontRef idx="minor">
+              <a:schemeClr val="lt1"/>
+            </a:fontRef>
+          </p:style>
+          <p:txBody>
+            <a:bodyPr rtlCol="0" anchor="ctr"/>
+            <a:lstStyle/>
+            <a:p>
+              <a:pPr algn="ctr"/>
+              <a:endParaRPr kumimoji="1" lang="ja-JP" altLang="en-US"/>
+            </a:p>
+          </p:txBody>
+        </p:sp>
+      </p:grpSp>
+      <p:grpSp>
+        <p:nvGrpSpPr>
+          <p:cNvPr id="3" name="グループ化 2">
+            <a:extLst>
+              <a:ext uri="{FF2B5EF4-FFF2-40B4-BE49-F238E27FC236}">
+                <a16:creationId xmlns:a16="http://schemas.microsoft.com/office/drawing/2014/main" id="{1C9C91E6-A56C-FD4B-9702-6581B786C0C9}"/>
+              </a:ext>
+            </a:extLst>
+          </p:cNvPr>
+          <p:cNvGrpSpPr/>
+          <p:nvPr/>
+        </p:nvGrpSpPr>
+        <p:grpSpPr>
+          <a:xfrm>
+            <a:off x="287598" y="6283735"/>
+            <a:ext cx="2830378" cy="593575"/>
+            <a:chOff x="200513" y="5282526"/>
+            <a:chExt cx="2830378" cy="593575"/>
+          </a:xfrm>
+        </p:grpSpPr>
+        <p:sp>
+          <p:nvSpPr>
+            <p:cNvPr id="66" name="正方形/長方形 65">
+              <a:extLst>
+                <a:ext uri="{FF2B5EF4-FFF2-40B4-BE49-F238E27FC236}">
+                  <a16:creationId xmlns:a16="http://schemas.microsoft.com/office/drawing/2014/main" id="{CBB66873-1DFE-D048-AEBC-0BA995558AC7}"/>
+                </a:ext>
+              </a:extLst>
+            </p:cNvPr>
+            <p:cNvSpPr/>
+            <p:nvPr/>
+          </p:nvSpPr>
+          <p:spPr>
+            <a:xfrm>
+              <a:off x="200513" y="5287250"/>
+              <a:ext cx="576000" cy="576000"/>
+            </a:xfrm>
+            <a:prstGeom prst="rect">
+              <a:avLst/>
+            </a:prstGeom>
+            <a:solidFill>
+              <a:schemeClr val="bg2"/>
+            </a:solidFill>
+          </p:spPr>
+          <p:style>
+            <a:lnRef idx="2">
+              <a:schemeClr val="accent1">
+                <a:shade val="50000"/>
+              </a:schemeClr>
+            </a:lnRef>
+            <a:fillRef idx="1">
+              <a:schemeClr val="accent1"/>
+            </a:fillRef>
+            <a:effectRef idx="0">
+              <a:schemeClr val="accent1"/>
+            </a:effectRef>
+            <a:fontRef idx="minor">
+              <a:schemeClr val="lt1"/>
+            </a:fontRef>
+          </p:style>
+          <p:txBody>
+            <a:bodyPr rtlCol="0" anchor="ctr"/>
+            <a:lstStyle/>
+            <a:p>
+              <a:pPr algn="ctr"/>
+              <a:endParaRPr kumimoji="1" lang="ja-JP" altLang="en-US"/>
+            </a:p>
+          </p:txBody>
+        </p:sp>
+        <p:sp>
+          <p:nvSpPr>
+            <p:cNvPr id="67" name="正方形/長方形 66">
+              <a:extLst>
+                <a:ext uri="{FF2B5EF4-FFF2-40B4-BE49-F238E27FC236}">
+                  <a16:creationId xmlns:a16="http://schemas.microsoft.com/office/drawing/2014/main" id="{CA499417-C2B7-B842-A2E3-77639349F97C}"/>
+                </a:ext>
+              </a:extLst>
+            </p:cNvPr>
+            <p:cNvSpPr/>
+            <p:nvPr/>
+          </p:nvSpPr>
+          <p:spPr>
+            <a:xfrm>
+              <a:off x="756569" y="5300101"/>
+              <a:ext cx="576000" cy="576000"/>
+            </a:xfrm>
+            <a:prstGeom prst="rect">
+              <a:avLst/>
+            </a:prstGeom>
+            <a:solidFill>
+              <a:schemeClr val="bg2"/>
+            </a:solidFill>
+          </p:spPr>
+          <p:style>
+            <a:lnRef idx="2">
+              <a:schemeClr val="accent1">
+                <a:shade val="50000"/>
+              </a:schemeClr>
+            </a:lnRef>
+            <a:fillRef idx="1">
+              <a:schemeClr val="accent1"/>
+            </a:fillRef>
+            <a:effectRef idx="0">
+              <a:schemeClr val="accent1"/>
+            </a:effectRef>
+            <a:fontRef idx="minor">
+              <a:schemeClr val="lt1"/>
+            </a:fontRef>
+          </p:style>
+          <p:txBody>
+            <a:bodyPr rtlCol="0" anchor="ctr"/>
+            <a:lstStyle/>
+            <a:p>
+              <a:pPr algn="ctr"/>
+              <a:endParaRPr kumimoji="1" lang="ja-JP" altLang="en-US"/>
+            </a:p>
+          </p:txBody>
+        </p:sp>
+        <p:sp>
+          <p:nvSpPr>
+            <p:cNvPr id="68" name="正方形/長方形 67">
+              <a:extLst>
+                <a:ext uri="{FF2B5EF4-FFF2-40B4-BE49-F238E27FC236}">
+                  <a16:creationId xmlns:a16="http://schemas.microsoft.com/office/drawing/2014/main" id="{D5C6007E-D517-3A40-BD5A-567A6476F45C}"/>
+                </a:ext>
+              </a:extLst>
+            </p:cNvPr>
+            <p:cNvSpPr/>
+            <p:nvPr/>
+          </p:nvSpPr>
+          <p:spPr>
+            <a:xfrm>
+              <a:off x="1322597" y="5300101"/>
+              <a:ext cx="576000" cy="576000"/>
+            </a:xfrm>
+            <a:prstGeom prst="rect">
+              <a:avLst/>
+            </a:prstGeom>
+            <a:solidFill>
+              <a:schemeClr val="bg2"/>
+            </a:solidFill>
+          </p:spPr>
+          <p:style>
+            <a:lnRef idx="2">
+              <a:schemeClr val="accent1">
+                <a:shade val="50000"/>
+              </a:schemeClr>
+            </a:lnRef>
+            <a:fillRef idx="1">
+              <a:schemeClr val="accent1"/>
+            </a:fillRef>
+            <a:effectRef idx="0">
+              <a:schemeClr val="accent1"/>
+            </a:effectRef>
+            <a:fontRef idx="minor">
+              <a:schemeClr val="lt1"/>
+            </a:fontRef>
+          </p:style>
+          <p:txBody>
+            <a:bodyPr rtlCol="0" anchor="ctr"/>
+            <a:lstStyle/>
+            <a:p>
+              <a:pPr algn="ctr"/>
+              <a:endParaRPr kumimoji="1" lang="ja-JP" altLang="en-US"/>
+            </a:p>
+          </p:txBody>
+        </p:sp>
+        <p:sp>
+          <p:nvSpPr>
+            <p:cNvPr id="79" name="正方形/長方形 78">
+              <a:extLst>
+                <a:ext uri="{FF2B5EF4-FFF2-40B4-BE49-F238E27FC236}">
+                  <a16:creationId xmlns:a16="http://schemas.microsoft.com/office/drawing/2014/main" id="{B6002D89-E92A-AD4D-A265-53F709948E77}"/>
+                </a:ext>
+              </a:extLst>
+            </p:cNvPr>
+            <p:cNvSpPr/>
+            <p:nvPr/>
+          </p:nvSpPr>
+          <p:spPr>
+            <a:xfrm>
+              <a:off x="1888625" y="5300101"/>
+              <a:ext cx="576000" cy="576000"/>
+            </a:xfrm>
+            <a:prstGeom prst="rect">
+              <a:avLst/>
+            </a:prstGeom>
+            <a:solidFill>
+              <a:schemeClr val="bg2"/>
+            </a:solidFill>
+          </p:spPr>
+          <p:style>
+            <a:lnRef idx="2">
+              <a:schemeClr val="accent1">
+                <a:shade val="50000"/>
+              </a:schemeClr>
+            </a:lnRef>
+            <a:fillRef idx="1">
+              <a:schemeClr val="accent1"/>
+            </a:fillRef>
+            <a:effectRef idx="0">
+              <a:schemeClr val="accent1"/>
+            </a:effectRef>
+            <a:fontRef idx="minor">
+              <a:schemeClr val="lt1"/>
+            </a:fontRef>
+          </p:style>
+          <p:txBody>
+            <a:bodyPr rtlCol="0" anchor="ctr"/>
+            <a:lstStyle/>
+            <a:p>
+              <a:pPr algn="ctr"/>
+              <a:endParaRPr kumimoji="1" lang="ja-JP" altLang="en-US"/>
+            </a:p>
+          </p:txBody>
+        </p:sp>
+        <p:sp>
+          <p:nvSpPr>
+            <p:cNvPr id="97" name="正方形/長方形 96">
+              <a:extLst>
+                <a:ext uri="{FF2B5EF4-FFF2-40B4-BE49-F238E27FC236}">
+                  <a16:creationId xmlns:a16="http://schemas.microsoft.com/office/drawing/2014/main" id="{E8D13EAC-31D1-434F-BA07-C5611CBEC6F9}"/>
+                </a:ext>
+              </a:extLst>
+            </p:cNvPr>
+            <p:cNvSpPr/>
+            <p:nvPr/>
+          </p:nvSpPr>
+          <p:spPr>
+            <a:xfrm>
+              <a:off x="2454891" y="5282526"/>
+              <a:ext cx="576000" cy="576000"/>
+            </a:xfrm>
+            <a:prstGeom prst="rect">
+              <a:avLst/>
+            </a:prstGeom>
+            <a:solidFill>
+              <a:schemeClr val="bg2"/>
+            </a:solidFill>
+          </p:spPr>
+          <p:style>
+            <a:lnRef idx="2">
+              <a:schemeClr val="accent1">
+                <a:shade val="50000"/>
+              </a:schemeClr>
+            </a:lnRef>
+            <a:fillRef idx="1">
+              <a:schemeClr val="accent1"/>
+            </a:fillRef>
+            <a:effectRef idx="0">
+              <a:schemeClr val="accent1"/>
+            </a:effectRef>
+            <a:fontRef idx="minor">
+              <a:schemeClr val="lt1"/>
+            </a:fontRef>
+          </p:style>
+          <p:txBody>
+            <a:bodyPr rtlCol="0" anchor="ctr"/>
+            <a:lstStyle/>
+            <a:p>
+              <a:pPr algn="ctr"/>
+              <a:endParaRPr kumimoji="1" lang="ja-JP" altLang="en-US"/>
+            </a:p>
+          </p:txBody>
+        </p:sp>
+      </p:grpSp>
+      <p:grpSp>
+        <p:nvGrpSpPr>
+          <p:cNvPr id="98" name="グループ化 97">
+            <a:extLst>
+              <a:ext uri="{FF2B5EF4-FFF2-40B4-BE49-F238E27FC236}">
+                <a16:creationId xmlns:a16="http://schemas.microsoft.com/office/drawing/2014/main" id="{4172056A-C88E-D343-A641-7E3B96182356}"/>
+              </a:ext>
+            </a:extLst>
+          </p:cNvPr>
+          <p:cNvGrpSpPr/>
+          <p:nvPr/>
+        </p:nvGrpSpPr>
+        <p:grpSpPr>
+          <a:xfrm>
+            <a:off x="-471324" y="5437212"/>
+            <a:ext cx="4369488" cy="864098"/>
+            <a:chOff x="-2438998" y="3448357"/>
+            <a:chExt cx="4369488" cy="864098"/>
+          </a:xfrm>
+        </p:grpSpPr>
+        <p:sp>
+          <p:nvSpPr>
+            <p:cNvPr id="99" name="正方形/長方形 98">
+              <a:extLst>
+                <a:ext uri="{FF2B5EF4-FFF2-40B4-BE49-F238E27FC236}">
+                  <a16:creationId xmlns:a16="http://schemas.microsoft.com/office/drawing/2014/main" id="{02FFA453-630F-5E48-A1C4-27B14ACEEDC3}"/>
+                </a:ext>
+              </a:extLst>
+            </p:cNvPr>
+            <p:cNvSpPr/>
+            <p:nvPr/>
+          </p:nvSpPr>
+          <p:spPr>
+            <a:xfrm>
+              <a:off x="-2438998" y="3448455"/>
+              <a:ext cx="864000" cy="864000"/>
+            </a:xfrm>
+            <a:prstGeom prst="rect">
+              <a:avLst/>
+            </a:prstGeom>
+            <a:solidFill>
+              <a:srgbClr val="FF0000"/>
+            </a:solidFill>
+          </p:spPr>
+          <p:style>
+            <a:lnRef idx="2">
+              <a:schemeClr val="accent1">
+                <a:shade val="50000"/>
+              </a:schemeClr>
+            </a:lnRef>
+            <a:fillRef idx="1">
+              <a:schemeClr val="accent1"/>
+            </a:fillRef>
+            <a:effectRef idx="0">
+              <a:schemeClr val="accent1"/>
+            </a:effectRef>
+            <a:fontRef idx="minor">
+              <a:schemeClr val="lt1"/>
+            </a:fontRef>
+          </p:style>
+          <p:txBody>
+            <a:bodyPr rtlCol="0" anchor="ctr"/>
+            <a:lstStyle/>
+            <a:p>
+              <a:pPr algn="ctr"/>
+              <a:endParaRPr kumimoji="1" lang="ja-JP" altLang="en-US"/>
+            </a:p>
+          </p:txBody>
+        </p:sp>
+        <p:sp>
+          <p:nvSpPr>
+            <p:cNvPr id="100" name="正方形/長方形 99">
+              <a:extLst>
+                <a:ext uri="{FF2B5EF4-FFF2-40B4-BE49-F238E27FC236}">
+                  <a16:creationId xmlns:a16="http://schemas.microsoft.com/office/drawing/2014/main" id="{B3212FEF-4504-D641-915C-EFFE8B9A3902}"/>
+                </a:ext>
+              </a:extLst>
+            </p:cNvPr>
+            <p:cNvSpPr/>
+            <p:nvPr/>
+          </p:nvSpPr>
+          <p:spPr>
+            <a:xfrm>
+              <a:off x="-1568612" y="3448455"/>
+              <a:ext cx="864000" cy="864000"/>
+            </a:xfrm>
+            <a:prstGeom prst="rect">
+              <a:avLst/>
+            </a:prstGeom>
+            <a:solidFill>
+              <a:srgbClr val="FF0000"/>
+            </a:solidFill>
+          </p:spPr>
+          <p:style>
+            <a:lnRef idx="2">
+              <a:schemeClr val="accent1">
+                <a:shade val="50000"/>
+              </a:schemeClr>
+            </a:lnRef>
+            <a:fillRef idx="1">
+              <a:schemeClr val="accent1"/>
+            </a:fillRef>
+            <a:effectRef idx="0">
+              <a:schemeClr val="accent1"/>
+            </a:effectRef>
+            <a:fontRef idx="minor">
+              <a:schemeClr val="lt1"/>
+            </a:fontRef>
+          </p:style>
+          <p:txBody>
+            <a:bodyPr rtlCol="0" anchor="ctr"/>
+            <a:lstStyle/>
+            <a:p>
+              <a:pPr algn="ctr"/>
+              <a:endParaRPr kumimoji="1" lang="ja-JP" altLang="en-US"/>
+            </a:p>
+          </p:txBody>
+        </p:sp>
+        <p:sp>
+          <p:nvSpPr>
+            <p:cNvPr id="101" name="正方形/長方形 100">
+              <a:extLst>
+                <a:ext uri="{FF2B5EF4-FFF2-40B4-BE49-F238E27FC236}">
+                  <a16:creationId xmlns:a16="http://schemas.microsoft.com/office/drawing/2014/main" id="{BBAE6EC3-839C-454C-8D74-B3200D85FE6E}"/>
+                </a:ext>
+              </a:extLst>
+            </p:cNvPr>
+            <p:cNvSpPr/>
+            <p:nvPr/>
+          </p:nvSpPr>
+          <p:spPr>
+            <a:xfrm>
+              <a:off x="-698226" y="3448455"/>
+              <a:ext cx="864000" cy="864000"/>
+            </a:xfrm>
+            <a:prstGeom prst="rect">
+              <a:avLst/>
+            </a:prstGeom>
+            <a:solidFill>
+              <a:srgbClr val="FF0000"/>
+            </a:solidFill>
+          </p:spPr>
+          <p:style>
+            <a:lnRef idx="2">
+              <a:schemeClr val="accent1">
+                <a:shade val="50000"/>
+              </a:schemeClr>
+            </a:lnRef>
+            <a:fillRef idx="1">
+              <a:schemeClr val="accent1"/>
+            </a:fillRef>
+            <a:effectRef idx="0">
+              <a:schemeClr val="accent1"/>
+            </a:effectRef>
+            <a:fontRef idx="minor">
+              <a:schemeClr val="lt1"/>
+            </a:fontRef>
+          </p:style>
+          <p:txBody>
+            <a:bodyPr rtlCol="0" anchor="ctr"/>
+            <a:lstStyle/>
+            <a:p>
+              <a:pPr algn="ctr"/>
+              <a:endParaRPr kumimoji="1" lang="ja-JP" altLang="en-US"/>
+            </a:p>
+          </p:txBody>
+        </p:sp>
+        <p:sp>
+          <p:nvSpPr>
+            <p:cNvPr id="102" name="正方形/長方形 101">
+              <a:extLst>
+                <a:ext uri="{FF2B5EF4-FFF2-40B4-BE49-F238E27FC236}">
+                  <a16:creationId xmlns:a16="http://schemas.microsoft.com/office/drawing/2014/main" id="{8FCD73BB-AFBB-334B-ADE1-5A20D3FF3865}"/>
+                </a:ext>
+              </a:extLst>
+            </p:cNvPr>
+            <p:cNvSpPr/>
+            <p:nvPr/>
+          </p:nvSpPr>
+          <p:spPr>
+            <a:xfrm>
+              <a:off x="180939" y="3448357"/>
+              <a:ext cx="864000" cy="864000"/>
+            </a:xfrm>
+            <a:prstGeom prst="rect">
+              <a:avLst/>
+            </a:prstGeom>
+            <a:solidFill>
+              <a:srgbClr val="FF0000"/>
+            </a:solidFill>
+          </p:spPr>
+          <p:style>
+            <a:lnRef idx="2">
+              <a:schemeClr val="accent1">
+                <a:shade val="50000"/>
+              </a:schemeClr>
+            </a:lnRef>
+            <a:fillRef idx="1">
+              <a:schemeClr val="accent1"/>
+            </a:fillRef>
+            <a:effectRef idx="0">
+              <a:schemeClr val="accent1"/>
+            </a:effectRef>
+            <a:fontRef idx="minor">
+              <a:schemeClr val="lt1"/>
+            </a:fontRef>
+          </p:style>
+          <p:txBody>
+            <a:bodyPr rtlCol="0" anchor="ctr"/>
+            <a:lstStyle/>
+            <a:p>
+              <a:pPr algn="ctr"/>
+              <a:endParaRPr kumimoji="1" lang="ja-JP" altLang="en-US"/>
+            </a:p>
+          </p:txBody>
+        </p:sp>
+        <p:sp>
+          <p:nvSpPr>
+            <p:cNvPr id="103" name="正方形/長方形 102">
+              <a:extLst>
+                <a:ext uri="{FF2B5EF4-FFF2-40B4-BE49-F238E27FC236}">
+                  <a16:creationId xmlns:a16="http://schemas.microsoft.com/office/drawing/2014/main" id="{7E32CF2D-10B4-DD4E-8C6E-FCD568594FAD}"/>
+                </a:ext>
+              </a:extLst>
+            </p:cNvPr>
+            <p:cNvSpPr/>
+            <p:nvPr/>
+          </p:nvSpPr>
+          <p:spPr>
+            <a:xfrm>
+              <a:off x="1066490" y="3448357"/>
+              <a:ext cx="864000" cy="864000"/>
+            </a:xfrm>
+            <a:prstGeom prst="rect">
+              <a:avLst/>
+            </a:prstGeom>
+            <a:solidFill>
+              <a:srgbClr val="FF0000"/>
+            </a:solidFill>
+          </p:spPr>
+          <p:style>
+            <a:lnRef idx="2">
+              <a:schemeClr val="accent1">
+                <a:shade val="50000"/>
+              </a:schemeClr>
+            </a:lnRef>
+            <a:fillRef idx="1">
+              <a:schemeClr val="accent1"/>
+            </a:fillRef>
+            <a:effectRef idx="0">
+              <a:schemeClr val="accent1"/>
+            </a:effectRef>
+            <a:fontRef idx="minor">
+              <a:schemeClr val="lt1"/>
+            </a:fontRef>
+          </p:style>
+          <p:txBody>
+            <a:bodyPr rtlCol="0" anchor="ctr"/>
+            <a:lstStyle/>
+            <a:p>
+              <a:pPr algn="ctr"/>
+              <a:endParaRPr kumimoji="1" lang="ja-JP" altLang="en-US"/>
+            </a:p>
+          </p:txBody>
+        </p:sp>
+      </p:grpSp>
+      <p:grpSp>
+        <p:nvGrpSpPr>
+          <p:cNvPr id="104" name="グループ化 103">
+            <a:extLst>
+              <a:ext uri="{FF2B5EF4-FFF2-40B4-BE49-F238E27FC236}">
+                <a16:creationId xmlns:a16="http://schemas.microsoft.com/office/drawing/2014/main" id="{56064CBE-7DD6-DE49-90DC-EB0726A71C16}"/>
+              </a:ext>
+            </a:extLst>
+          </p:cNvPr>
+          <p:cNvGrpSpPr/>
+          <p:nvPr/>
+        </p:nvGrpSpPr>
+        <p:grpSpPr>
+          <a:xfrm>
+            <a:off x="231312" y="4839996"/>
+            <a:ext cx="2830378" cy="593575"/>
+            <a:chOff x="200513" y="5282526"/>
+            <a:chExt cx="2830378" cy="593575"/>
+          </a:xfrm>
+        </p:grpSpPr>
+        <p:sp>
+          <p:nvSpPr>
+            <p:cNvPr id="105" name="正方形/長方形 104">
+              <a:extLst>
+                <a:ext uri="{FF2B5EF4-FFF2-40B4-BE49-F238E27FC236}">
+                  <a16:creationId xmlns:a16="http://schemas.microsoft.com/office/drawing/2014/main" id="{EBB6874B-BBA4-E44E-B36C-E24E025DDCB6}"/>
+                </a:ext>
+              </a:extLst>
+            </p:cNvPr>
+            <p:cNvSpPr/>
+            <p:nvPr/>
+          </p:nvSpPr>
+          <p:spPr>
+            <a:xfrm>
+              <a:off x="200513" y="5287250"/>
+              <a:ext cx="576000" cy="576000"/>
+            </a:xfrm>
+            <a:prstGeom prst="rect">
+              <a:avLst/>
+            </a:prstGeom>
+            <a:solidFill>
+              <a:schemeClr val="bg2"/>
+            </a:solidFill>
+          </p:spPr>
+          <p:style>
+            <a:lnRef idx="2">
+              <a:schemeClr val="accent1">
+                <a:shade val="50000"/>
+              </a:schemeClr>
+            </a:lnRef>
+            <a:fillRef idx="1">
+              <a:schemeClr val="accent1"/>
+            </a:fillRef>
+            <a:effectRef idx="0">
+              <a:schemeClr val="accent1"/>
+            </a:effectRef>
+            <a:fontRef idx="minor">
+              <a:schemeClr val="lt1"/>
+            </a:fontRef>
+          </p:style>
+          <p:txBody>
+            <a:bodyPr rtlCol="0" anchor="ctr"/>
+            <a:lstStyle/>
+            <a:p>
+              <a:pPr algn="ctr"/>
+              <a:endParaRPr kumimoji="1" lang="ja-JP" altLang="en-US"/>
+            </a:p>
+          </p:txBody>
+        </p:sp>
+        <p:sp>
+          <p:nvSpPr>
+            <p:cNvPr id="106" name="正方形/長方形 105">
+              <a:extLst>
+                <a:ext uri="{FF2B5EF4-FFF2-40B4-BE49-F238E27FC236}">
+                  <a16:creationId xmlns:a16="http://schemas.microsoft.com/office/drawing/2014/main" id="{8C00D959-0BD9-6740-8127-019B2DF03C4F}"/>
+                </a:ext>
+              </a:extLst>
+            </p:cNvPr>
+            <p:cNvSpPr/>
+            <p:nvPr/>
+          </p:nvSpPr>
+          <p:spPr>
+            <a:xfrm>
+              <a:off x="756569" y="5300101"/>
+              <a:ext cx="576000" cy="576000"/>
+            </a:xfrm>
+            <a:prstGeom prst="rect">
+              <a:avLst/>
+            </a:prstGeom>
+            <a:solidFill>
+              <a:schemeClr val="bg2"/>
+            </a:solidFill>
+          </p:spPr>
+          <p:style>
+            <a:lnRef idx="2">
+              <a:schemeClr val="accent1">
+                <a:shade val="50000"/>
+              </a:schemeClr>
+            </a:lnRef>
+            <a:fillRef idx="1">
+              <a:schemeClr val="accent1"/>
+            </a:fillRef>
+            <a:effectRef idx="0">
+              <a:schemeClr val="accent1"/>
+            </a:effectRef>
+            <a:fontRef idx="minor">
+              <a:schemeClr val="lt1"/>
+            </a:fontRef>
+          </p:style>
+          <p:txBody>
+            <a:bodyPr rtlCol="0" anchor="ctr"/>
+            <a:lstStyle/>
+            <a:p>
+              <a:pPr algn="ctr"/>
+              <a:endParaRPr kumimoji="1" lang="ja-JP" altLang="en-US"/>
+            </a:p>
+          </p:txBody>
+        </p:sp>
+        <p:sp>
+          <p:nvSpPr>
+            <p:cNvPr id="107" name="正方形/長方形 106">
+              <a:extLst>
+                <a:ext uri="{FF2B5EF4-FFF2-40B4-BE49-F238E27FC236}">
+                  <a16:creationId xmlns:a16="http://schemas.microsoft.com/office/drawing/2014/main" id="{739664CF-7371-4049-9E8E-9A0E20914B01}"/>
+                </a:ext>
+              </a:extLst>
+            </p:cNvPr>
+            <p:cNvSpPr/>
+            <p:nvPr/>
+          </p:nvSpPr>
+          <p:spPr>
+            <a:xfrm>
+              <a:off x="1322597" y="5300101"/>
+              <a:ext cx="576000" cy="576000"/>
+            </a:xfrm>
+            <a:prstGeom prst="rect">
+              <a:avLst/>
+            </a:prstGeom>
+            <a:solidFill>
+              <a:schemeClr val="bg2"/>
+            </a:solidFill>
+          </p:spPr>
+          <p:style>
+            <a:lnRef idx="2">
+              <a:schemeClr val="accent1">
+                <a:shade val="50000"/>
+              </a:schemeClr>
+            </a:lnRef>
+            <a:fillRef idx="1">
+              <a:schemeClr val="accent1"/>
+            </a:fillRef>
+            <a:effectRef idx="0">
+              <a:schemeClr val="accent1"/>
+            </a:effectRef>
+            <a:fontRef idx="minor">
+              <a:schemeClr val="lt1"/>
+            </a:fontRef>
+          </p:style>
+          <p:txBody>
+            <a:bodyPr rtlCol="0" anchor="ctr"/>
+            <a:lstStyle/>
+            <a:p>
+              <a:pPr algn="ctr"/>
+              <a:endParaRPr kumimoji="1" lang="ja-JP" altLang="en-US"/>
+            </a:p>
+          </p:txBody>
+        </p:sp>
+        <p:sp>
+          <p:nvSpPr>
+            <p:cNvPr id="108" name="正方形/長方形 107">
+              <a:extLst>
+                <a:ext uri="{FF2B5EF4-FFF2-40B4-BE49-F238E27FC236}">
+                  <a16:creationId xmlns:a16="http://schemas.microsoft.com/office/drawing/2014/main" id="{EE27FC6C-DF28-2742-B34D-C19BE0CED6CC}"/>
+                </a:ext>
+              </a:extLst>
+            </p:cNvPr>
+            <p:cNvSpPr/>
+            <p:nvPr/>
+          </p:nvSpPr>
+          <p:spPr>
+            <a:xfrm>
+              <a:off x="1888625" y="5300101"/>
+              <a:ext cx="576000" cy="576000"/>
+            </a:xfrm>
+            <a:prstGeom prst="rect">
+              <a:avLst/>
+            </a:prstGeom>
+            <a:solidFill>
+              <a:schemeClr val="bg2"/>
+            </a:solidFill>
+          </p:spPr>
+          <p:style>
+            <a:lnRef idx="2">
+              <a:schemeClr val="accent1">
+                <a:shade val="50000"/>
+              </a:schemeClr>
+            </a:lnRef>
+            <a:fillRef idx="1">
+              <a:schemeClr val="accent1"/>
+            </a:fillRef>
+            <a:effectRef idx="0">
+              <a:schemeClr val="accent1"/>
+            </a:effectRef>
+            <a:fontRef idx="minor">
+              <a:schemeClr val="lt1"/>
+            </a:fontRef>
+          </p:style>
+          <p:txBody>
+            <a:bodyPr rtlCol="0" anchor="ctr"/>
+            <a:lstStyle/>
+            <a:p>
+              <a:pPr algn="ctr"/>
+              <a:endParaRPr kumimoji="1" lang="ja-JP" altLang="en-US"/>
+            </a:p>
+          </p:txBody>
+        </p:sp>
+        <p:sp>
+          <p:nvSpPr>
+            <p:cNvPr id="109" name="正方形/長方形 108">
+              <a:extLst>
+                <a:ext uri="{FF2B5EF4-FFF2-40B4-BE49-F238E27FC236}">
+                  <a16:creationId xmlns:a16="http://schemas.microsoft.com/office/drawing/2014/main" id="{6B267B25-E3D3-564D-83CB-615C5A79E4BB}"/>
+                </a:ext>
+              </a:extLst>
+            </p:cNvPr>
+            <p:cNvSpPr/>
+            <p:nvPr/>
+          </p:nvSpPr>
+          <p:spPr>
+            <a:xfrm>
+              <a:off x="2454891" y="5282526"/>
+              <a:ext cx="576000" cy="576000"/>
+            </a:xfrm>
+            <a:prstGeom prst="rect">
+              <a:avLst/>
+            </a:prstGeom>
+            <a:solidFill>
+              <a:schemeClr val="bg2"/>
+            </a:solidFill>
+          </p:spPr>
+          <p:style>
+            <a:lnRef idx="2">
+              <a:schemeClr val="accent1">
+                <a:shade val="50000"/>
+              </a:schemeClr>
+            </a:lnRef>
+            <a:fillRef idx="1">
+              <a:schemeClr val="accent1"/>
+            </a:fillRef>
+            <a:effectRef idx="0">
+              <a:schemeClr val="accent1"/>
+            </a:effectRef>
+            <a:fontRef idx="minor">
+              <a:schemeClr val="lt1"/>
+            </a:fontRef>
+          </p:style>
+          <p:txBody>
+            <a:bodyPr rtlCol="0" anchor="ctr"/>
+            <a:lstStyle/>
+            <a:p>
+              <a:pPr algn="ctr"/>
+              <a:endParaRPr kumimoji="1" lang="ja-JP" altLang="en-US"/>
+            </a:p>
+          </p:txBody>
+        </p:sp>
+      </p:grpSp>
+      <p:sp>
+        <p:nvSpPr>
+          <p:cNvPr id="37" name="正方形/長方形 36">
+            <a:extLst>
+              <a:ext uri="{FF2B5EF4-FFF2-40B4-BE49-F238E27FC236}">
+                <a16:creationId xmlns:a16="http://schemas.microsoft.com/office/drawing/2014/main" id="{3D03A2A8-5498-D443-B090-BBDBBD61AACC}"/>
+              </a:ext>
+            </a:extLst>
+          </p:cNvPr>
+          <p:cNvSpPr/>
+          <p:nvPr/>
+        </p:nvSpPr>
+        <p:spPr>
+          <a:xfrm>
+            <a:off x="5718955" y="6808436"/>
+            <a:ext cx="720000" cy="1055617"/>
+          </a:xfrm>
+          <a:prstGeom prst="rect">
+            <a:avLst/>
+          </a:prstGeom>
+          <a:solidFill>
+            <a:srgbClr val="FF0000"/>
+          </a:solidFill>
+        </p:spPr>
+        <p:style>
+          <a:lnRef idx="2">
+            <a:schemeClr val="accent1">
+              <a:shade val="50000"/>
+            </a:schemeClr>
+          </a:lnRef>
+          <a:fillRef idx="1">
+            <a:schemeClr val="accent1"/>
+          </a:fillRef>
+          <a:effectRef idx="0">
+            <a:schemeClr val="accent1"/>
+          </a:effectRef>
+          <a:fontRef idx="minor">
+            <a:schemeClr val="lt1"/>
+          </a:fontRef>
+        </p:style>
+        <p:txBody>
+          <a:bodyPr rtlCol="0" anchor="ctr"/>
+          <a:lstStyle/>
+          <a:p>
+            <a:pPr algn="ctr"/>
+            <a:endParaRPr kumimoji="1" lang="ja-JP" altLang="en-US"/>
+          </a:p>
+        </p:txBody>
+      </p:sp>
+      <p:sp>
+        <p:nvSpPr>
+          <p:cNvPr id="38" name="正方形/長方形 37">
+            <a:extLst>
+              <a:ext uri="{FF2B5EF4-FFF2-40B4-BE49-F238E27FC236}">
+                <a16:creationId xmlns:a16="http://schemas.microsoft.com/office/drawing/2014/main" id="{2A172176-4203-2C44-ABF2-60C2462284FB}"/>
+              </a:ext>
+            </a:extLst>
+          </p:cNvPr>
+          <p:cNvSpPr/>
+          <p:nvPr/>
+        </p:nvSpPr>
+        <p:spPr>
+          <a:xfrm>
+            <a:off x="6438955" y="6808436"/>
+            <a:ext cx="720000" cy="1055617"/>
+          </a:xfrm>
+          <a:prstGeom prst="rect">
+            <a:avLst/>
+          </a:prstGeom>
+          <a:solidFill>
+            <a:srgbClr val="FF0000"/>
+          </a:solidFill>
+        </p:spPr>
+        <p:style>
+          <a:lnRef idx="2">
+            <a:schemeClr val="accent1">
+              <a:shade val="50000"/>
+            </a:schemeClr>
+          </a:lnRef>
+          <a:fillRef idx="1">
+            <a:schemeClr val="accent1"/>
+          </a:fillRef>
+          <a:effectRef idx="0">
+            <a:schemeClr val="accent1"/>
+          </a:effectRef>
+          <a:fontRef idx="minor">
+            <a:schemeClr val="lt1"/>
+          </a:fontRef>
+        </p:style>
+        <p:txBody>
+          <a:bodyPr rtlCol="0" anchor="ctr"/>
+          <a:lstStyle/>
+          <a:p>
+            <a:pPr algn="ctr"/>
+            <a:endParaRPr kumimoji="1" lang="ja-JP" altLang="en-US"/>
+          </a:p>
+        </p:txBody>
+      </p:sp>
+      <p:sp>
+        <p:nvSpPr>
+          <p:cNvPr id="39" name="正方形/長方形 38">
+            <a:extLst>
+              <a:ext uri="{FF2B5EF4-FFF2-40B4-BE49-F238E27FC236}">
+                <a16:creationId xmlns:a16="http://schemas.microsoft.com/office/drawing/2014/main" id="{20DC0CA8-6E09-524D-97DA-06F6F9252B2C}"/>
+              </a:ext>
+            </a:extLst>
+          </p:cNvPr>
+          <p:cNvSpPr/>
+          <p:nvPr/>
+        </p:nvSpPr>
+        <p:spPr>
+          <a:xfrm>
+            <a:off x="7158955" y="6808436"/>
+            <a:ext cx="720000" cy="1055617"/>
+          </a:xfrm>
+          <a:prstGeom prst="rect">
+            <a:avLst/>
+          </a:prstGeom>
+          <a:solidFill>
+            <a:srgbClr val="FF0000"/>
+          </a:solidFill>
+        </p:spPr>
+        <p:style>
+          <a:lnRef idx="2">
+            <a:schemeClr val="accent1">
+              <a:shade val="50000"/>
+            </a:schemeClr>
+          </a:lnRef>
+          <a:fillRef idx="1">
+            <a:schemeClr val="accent1"/>
+          </a:fillRef>
+          <a:effectRef idx="0">
+            <a:schemeClr val="accent1"/>
+          </a:effectRef>
+          <a:fontRef idx="minor">
+            <a:schemeClr val="lt1"/>
+          </a:fontRef>
+        </p:style>
+        <p:txBody>
+          <a:bodyPr rtlCol="0" anchor="ctr"/>
+          <a:lstStyle/>
+          <a:p>
+            <a:pPr algn="ctr"/>
+            <a:endParaRPr kumimoji="1" lang="ja-JP" altLang="en-US"/>
+          </a:p>
+        </p:txBody>
+      </p:sp>
+      <p:sp>
+        <p:nvSpPr>
+          <p:cNvPr id="40" name="正方形/長方形 39">
+            <a:extLst>
+              <a:ext uri="{FF2B5EF4-FFF2-40B4-BE49-F238E27FC236}">
+                <a16:creationId xmlns:a16="http://schemas.microsoft.com/office/drawing/2014/main" id="{C4CD105A-1988-394C-9770-B051EC8801D7}"/>
+              </a:ext>
+            </a:extLst>
+          </p:cNvPr>
+          <p:cNvSpPr/>
+          <p:nvPr/>
+        </p:nvSpPr>
+        <p:spPr>
+          <a:xfrm>
+            <a:off x="7878955" y="6808436"/>
+            <a:ext cx="720000" cy="1055617"/>
+          </a:xfrm>
+          <a:prstGeom prst="rect">
+            <a:avLst/>
+          </a:prstGeom>
+          <a:solidFill>
+            <a:srgbClr val="FF0000"/>
+          </a:solidFill>
+        </p:spPr>
+        <p:style>
+          <a:lnRef idx="2">
+            <a:schemeClr val="accent1">
+              <a:shade val="50000"/>
+            </a:schemeClr>
+          </a:lnRef>
+          <a:fillRef idx="1">
+            <a:schemeClr val="accent1"/>
+          </a:fillRef>
+          <a:effectRef idx="0">
+            <a:schemeClr val="accent1"/>
+          </a:effectRef>
+          <a:fontRef idx="minor">
+            <a:schemeClr val="lt1"/>
+          </a:fontRef>
+        </p:style>
+        <p:txBody>
+          <a:bodyPr rtlCol="0" anchor="ctr"/>
+          <a:lstStyle/>
+          <a:p>
+            <a:pPr algn="ctr"/>
+            <a:endParaRPr kumimoji="1" lang="ja-JP" altLang="en-US"/>
+          </a:p>
+        </p:txBody>
+      </p:sp>
+      <p:sp>
+        <p:nvSpPr>
+          <p:cNvPr id="41" name="正方形/長方形 40">
+            <a:extLst>
+              <a:ext uri="{FF2B5EF4-FFF2-40B4-BE49-F238E27FC236}">
+                <a16:creationId xmlns:a16="http://schemas.microsoft.com/office/drawing/2014/main" id="{93604589-65B5-5E48-AA5E-262C88A324D1}"/>
+              </a:ext>
+            </a:extLst>
+          </p:cNvPr>
+          <p:cNvSpPr/>
+          <p:nvPr/>
+        </p:nvSpPr>
+        <p:spPr>
+          <a:xfrm>
+            <a:off x="8602099" y="6808436"/>
+            <a:ext cx="720000" cy="1055617"/>
+          </a:xfrm>
+          <a:prstGeom prst="rect">
+            <a:avLst/>
+          </a:prstGeom>
+          <a:solidFill>
+            <a:srgbClr val="FF0000"/>
+          </a:solidFill>
+        </p:spPr>
+        <p:style>
+          <a:lnRef idx="2">
+            <a:schemeClr val="accent1">
+              <a:shade val="50000"/>
+            </a:schemeClr>
+          </a:lnRef>
+          <a:fillRef idx="1">
+            <a:schemeClr val="accent1"/>
+          </a:fillRef>
+          <a:effectRef idx="0">
+            <a:schemeClr val="accent1"/>
+          </a:effectRef>
+          <a:fontRef idx="minor">
+            <a:schemeClr val="lt1"/>
+          </a:fontRef>
+        </p:style>
+        <p:txBody>
+          <a:bodyPr rtlCol="0" anchor="ctr"/>
+          <a:lstStyle/>
+          <a:p>
+            <a:pPr algn="ctr"/>
+            <a:endParaRPr kumimoji="1" lang="ja-JP" altLang="en-US"/>
+          </a:p>
+        </p:txBody>
+      </p:sp>
+      <p:sp>
+        <p:nvSpPr>
+          <p:cNvPr id="49" name="正方形/長方形 48">
+            <a:extLst>
+              <a:ext uri="{FF2B5EF4-FFF2-40B4-BE49-F238E27FC236}">
+                <a16:creationId xmlns:a16="http://schemas.microsoft.com/office/drawing/2014/main" id="{62BE7C87-7F9B-A441-93B1-6440EF82E51C}"/>
+              </a:ext>
+            </a:extLst>
+          </p:cNvPr>
+          <p:cNvSpPr/>
+          <p:nvPr/>
+        </p:nvSpPr>
+        <p:spPr>
+          <a:xfrm>
+            <a:off x="5714239" y="5368436"/>
+            <a:ext cx="720000" cy="1055617"/>
+          </a:xfrm>
+          <a:prstGeom prst="rect">
+            <a:avLst/>
+          </a:prstGeom>
+          <a:solidFill>
+            <a:srgbClr val="FF0000"/>
+          </a:solidFill>
+        </p:spPr>
+        <p:style>
+          <a:lnRef idx="2">
+            <a:schemeClr val="accent1">
+              <a:shade val="50000"/>
+            </a:schemeClr>
+          </a:lnRef>
+          <a:fillRef idx="1">
+            <a:schemeClr val="accent1"/>
+          </a:fillRef>
+          <a:effectRef idx="0">
+            <a:schemeClr val="accent1"/>
+          </a:effectRef>
+          <a:fontRef idx="minor">
+            <a:schemeClr val="lt1"/>
+          </a:fontRef>
+        </p:style>
+        <p:txBody>
+          <a:bodyPr rtlCol="0" anchor="ctr"/>
+          <a:lstStyle/>
+          <a:p>
+            <a:pPr algn="ctr"/>
+            <a:endParaRPr kumimoji="1" lang="ja-JP" altLang="en-US"/>
+          </a:p>
+        </p:txBody>
+      </p:sp>
+      <p:sp>
+        <p:nvSpPr>
+          <p:cNvPr id="50" name="正方形/長方形 49">
+            <a:extLst>
+              <a:ext uri="{FF2B5EF4-FFF2-40B4-BE49-F238E27FC236}">
+                <a16:creationId xmlns:a16="http://schemas.microsoft.com/office/drawing/2014/main" id="{1E1FCD29-7BFB-DF4F-8317-802EE48FBC74}"/>
+              </a:ext>
+            </a:extLst>
+          </p:cNvPr>
+          <p:cNvSpPr/>
+          <p:nvPr/>
+        </p:nvSpPr>
+        <p:spPr>
+          <a:xfrm>
+            <a:off x="6434239" y="5368436"/>
+            <a:ext cx="720000" cy="1055617"/>
+          </a:xfrm>
+          <a:prstGeom prst="rect">
+            <a:avLst/>
+          </a:prstGeom>
+          <a:solidFill>
+            <a:srgbClr val="FF0000"/>
+          </a:solidFill>
+        </p:spPr>
+        <p:style>
+          <a:lnRef idx="2">
+            <a:schemeClr val="accent1">
+              <a:shade val="50000"/>
+            </a:schemeClr>
+          </a:lnRef>
+          <a:fillRef idx="1">
+            <a:schemeClr val="accent1"/>
+          </a:fillRef>
+          <a:effectRef idx="0">
+            <a:schemeClr val="accent1"/>
+          </a:effectRef>
+          <a:fontRef idx="minor">
+            <a:schemeClr val="lt1"/>
+          </a:fontRef>
+        </p:style>
+        <p:txBody>
+          <a:bodyPr rtlCol="0" anchor="ctr"/>
+          <a:lstStyle/>
+          <a:p>
+            <a:pPr algn="ctr"/>
+            <a:endParaRPr kumimoji="1" lang="ja-JP" altLang="en-US"/>
+          </a:p>
+        </p:txBody>
+      </p:sp>
+      <p:sp>
+        <p:nvSpPr>
+          <p:cNvPr id="51" name="正方形/長方形 50">
+            <a:extLst>
+              <a:ext uri="{FF2B5EF4-FFF2-40B4-BE49-F238E27FC236}">
+                <a16:creationId xmlns:a16="http://schemas.microsoft.com/office/drawing/2014/main" id="{E99AD92C-211A-A744-A8D1-8BF2A73C1FA3}"/>
+              </a:ext>
+            </a:extLst>
+          </p:cNvPr>
+          <p:cNvSpPr/>
+          <p:nvPr/>
+        </p:nvSpPr>
+        <p:spPr>
+          <a:xfrm>
+            <a:off x="7154239" y="5368436"/>
+            <a:ext cx="720000" cy="1055617"/>
+          </a:xfrm>
+          <a:prstGeom prst="rect">
+            <a:avLst/>
+          </a:prstGeom>
+          <a:solidFill>
+            <a:srgbClr val="FF0000"/>
+          </a:solidFill>
+        </p:spPr>
+        <p:style>
+          <a:lnRef idx="2">
+            <a:schemeClr val="accent1">
+              <a:shade val="50000"/>
+            </a:schemeClr>
+          </a:lnRef>
+          <a:fillRef idx="1">
+            <a:schemeClr val="accent1"/>
+          </a:fillRef>
+          <a:effectRef idx="0">
+            <a:schemeClr val="accent1"/>
+          </a:effectRef>
+          <a:fontRef idx="minor">
+            <a:schemeClr val="lt1"/>
+          </a:fontRef>
+        </p:style>
+        <p:txBody>
+          <a:bodyPr rtlCol="0" anchor="ctr"/>
+          <a:lstStyle/>
+          <a:p>
+            <a:pPr algn="ctr"/>
+            <a:endParaRPr kumimoji="1" lang="ja-JP" altLang="en-US"/>
+          </a:p>
+        </p:txBody>
+      </p:sp>
+      <p:sp>
+        <p:nvSpPr>
+          <p:cNvPr id="52" name="正方形/長方形 51">
+            <a:extLst>
+              <a:ext uri="{FF2B5EF4-FFF2-40B4-BE49-F238E27FC236}">
+                <a16:creationId xmlns:a16="http://schemas.microsoft.com/office/drawing/2014/main" id="{A7CE4298-CC42-E24D-97F7-2CA1C302BAED}"/>
+              </a:ext>
+            </a:extLst>
+          </p:cNvPr>
+          <p:cNvSpPr/>
+          <p:nvPr/>
+        </p:nvSpPr>
+        <p:spPr>
+          <a:xfrm>
+            <a:off x="7874239" y="5368436"/>
+            <a:ext cx="720000" cy="1055617"/>
+          </a:xfrm>
+          <a:prstGeom prst="rect">
+            <a:avLst/>
+          </a:prstGeom>
+          <a:solidFill>
+            <a:srgbClr val="FF0000"/>
+          </a:solidFill>
+        </p:spPr>
+        <p:style>
+          <a:lnRef idx="2">
+            <a:schemeClr val="accent1">
+              <a:shade val="50000"/>
+            </a:schemeClr>
+          </a:lnRef>
+          <a:fillRef idx="1">
+            <a:schemeClr val="accent1"/>
+          </a:fillRef>
+          <a:effectRef idx="0">
+            <a:schemeClr val="accent1"/>
+          </a:effectRef>
+          <a:fontRef idx="minor">
+            <a:schemeClr val="lt1"/>
+          </a:fontRef>
+        </p:style>
+        <p:txBody>
+          <a:bodyPr rtlCol="0" anchor="ctr"/>
+          <a:lstStyle/>
+          <a:p>
+            <a:pPr algn="ctr"/>
+            <a:endParaRPr kumimoji="1" lang="ja-JP" altLang="en-US"/>
+          </a:p>
+        </p:txBody>
+      </p:sp>
+      <p:sp>
+        <p:nvSpPr>
+          <p:cNvPr id="53" name="正方形/長方形 52">
+            <a:extLst>
+              <a:ext uri="{FF2B5EF4-FFF2-40B4-BE49-F238E27FC236}">
+                <a16:creationId xmlns:a16="http://schemas.microsoft.com/office/drawing/2014/main" id="{DC1E13DB-FB28-3145-B68D-18249571D777}"/>
+              </a:ext>
+            </a:extLst>
+          </p:cNvPr>
+          <p:cNvSpPr/>
+          <p:nvPr/>
+        </p:nvSpPr>
+        <p:spPr>
+          <a:xfrm>
+            <a:off x="8597383" y="5368436"/>
+            <a:ext cx="720000" cy="1055617"/>
+          </a:xfrm>
+          <a:prstGeom prst="rect">
+            <a:avLst/>
+          </a:prstGeom>
+          <a:solidFill>
+            <a:srgbClr val="FF0000"/>
+          </a:solidFill>
+        </p:spPr>
+        <p:style>
+          <a:lnRef idx="2">
+            <a:schemeClr val="accent1">
+              <a:shade val="50000"/>
+            </a:schemeClr>
+          </a:lnRef>
+          <a:fillRef idx="1">
+            <a:schemeClr val="accent1"/>
+          </a:fillRef>
+          <a:effectRef idx="0">
+            <a:schemeClr val="accent1"/>
+          </a:effectRef>
+          <a:fontRef idx="minor">
+            <a:schemeClr val="lt1"/>
+          </a:fontRef>
+        </p:style>
+        <p:txBody>
+          <a:bodyPr rtlCol="0" anchor="ctr"/>
+          <a:lstStyle/>
+          <a:p>
+            <a:pPr algn="ctr"/>
+            <a:endParaRPr kumimoji="1" lang="ja-JP" altLang="en-US"/>
+          </a:p>
+        </p:txBody>
+      </p:sp>
+      <p:sp>
+        <p:nvSpPr>
+          <p:cNvPr id="6" name="右矢印 5">
+            <a:extLst>
+              <a:ext uri="{FF2B5EF4-FFF2-40B4-BE49-F238E27FC236}">
+                <a16:creationId xmlns:a16="http://schemas.microsoft.com/office/drawing/2014/main" id="{470AC820-74D7-2E49-B1BD-0447B59C26CF}"/>
+              </a:ext>
+            </a:extLst>
+          </p:cNvPr>
+          <p:cNvSpPr/>
+          <p:nvPr/>
+        </p:nvSpPr>
+        <p:spPr>
+          <a:xfrm>
+            <a:off x="4231758" y="6283735"/>
+            <a:ext cx="1148316" cy="716318"/>
+          </a:xfrm>
+          <a:prstGeom prst="rightArrow">
+            <a:avLst/>
+          </a:prstGeom>
+          <a:solidFill>
+            <a:srgbClr val="92D050"/>
+          </a:solidFill>
+        </p:spPr>
+        <p:style>
+          <a:lnRef idx="2">
+            <a:schemeClr val="accent1">
+              <a:shade val="50000"/>
+            </a:schemeClr>
+          </a:lnRef>
+          <a:fillRef idx="1">
+            <a:schemeClr val="accent1"/>
+          </a:fillRef>
+          <a:effectRef idx="0">
+            <a:schemeClr val="accent1"/>
+          </a:effectRef>
+          <a:fontRef idx="minor">
+            <a:schemeClr val="lt1"/>
+          </a:fontRef>
+        </p:style>
+        <p:txBody>
+          <a:bodyPr rtlCol="0" anchor="ctr"/>
+          <a:lstStyle/>
+          <a:p>
+            <a:pPr algn="ctr"/>
+            <a:endParaRPr kumimoji="1" lang="ja-JP" altLang="en-US">
+              <a:solidFill>
+                <a:schemeClr val="bg2"/>
+              </a:solidFill>
+            </a:endParaRPr>
+          </a:p>
+        </p:txBody>
+      </p:sp>
+    </p:spTree>
+    <p:extLst>
+      <p:ext uri="{BB962C8B-B14F-4D97-AF65-F5344CB8AC3E}">
+        <p14:creationId xmlns:p14="http://schemas.microsoft.com/office/powerpoint/2010/main" val="2131285054"/>
+      </p:ext>
+    </p:extLst>
+  </p:cSld>
+  <p:clrMapOvr>
+    <a:masterClrMapping/>
+  </p:clrMapOvr>
+</p:sld>
+</file>
+
+<file path=ppt/slides/slide3.xml><?xml version="1.0" encoding="utf-8"?>
+<p:sld xmlns:a="http://schemas.openxmlformats.org/drawingml/2006/main" xmlns:r="http://schemas.openxmlformats.org/officeDocument/2006/relationships" xmlns:p="http://schemas.openxmlformats.org/presentationml/2006/main">
+  <p:cSld>
+    <p:spTree>
+      <p:nvGrpSpPr>
+        <p:cNvPr id="1" name=""/>
+        <p:cNvGrpSpPr/>
+        <p:nvPr/>
+      </p:nvGrpSpPr>
+      <p:grpSpPr>
+        <a:xfrm>
+          <a:off x="0" y="0"/>
+          <a:ext cx="0" cy="0"/>
+          <a:chOff x="0" y="0"/>
+          <a:chExt cx="0" cy="0"/>
+        </a:xfrm>
+      </p:grpSpPr>
+      <p:sp>
+        <p:nvSpPr>
+          <p:cNvPr id="2" name="タイトル 1">
+            <a:extLst>
+              <a:ext uri="{FF2B5EF4-FFF2-40B4-BE49-F238E27FC236}">
+                <a16:creationId xmlns:a16="http://schemas.microsoft.com/office/drawing/2014/main" id="{E59872DA-5CC8-9B43-B3AD-3281D7753C8F}"/>
+              </a:ext>
+            </a:extLst>
+          </p:cNvPr>
+          <p:cNvSpPr>
+            <a:spLocks noGrp="1"/>
+          </p:cNvSpPr>
+          <p:nvPr>
+            <p:ph type="title"/>
+          </p:nvPr>
+        </p:nvSpPr>
+        <p:spPr/>
+        <p:txBody>
+          <a:bodyPr/>
+          <a:lstStyle/>
+          <a:p>
+            <a:endParaRPr kumimoji="1" lang="ja-JP" altLang="en-US"/>
+          </a:p>
+        </p:txBody>
+      </p:sp>
+      <p:sp>
+        <p:nvSpPr>
+          <p:cNvPr id="3" name="コンテンツ プレースホルダー 2">
+            <a:extLst>
+              <a:ext uri="{FF2B5EF4-FFF2-40B4-BE49-F238E27FC236}">
+                <a16:creationId xmlns:a16="http://schemas.microsoft.com/office/drawing/2014/main" id="{890F30D7-16C2-0E47-B6CA-ABF52ABA2F72}"/>
+              </a:ext>
+            </a:extLst>
+          </p:cNvPr>
+          <p:cNvSpPr>
+            <a:spLocks noGrp="1"/>
+          </p:cNvSpPr>
+          <p:nvPr>
+            <p:ph idx="1"/>
+          </p:nvPr>
+        </p:nvSpPr>
+        <p:spPr/>
+        <p:txBody>
+          <a:bodyPr/>
+          <a:lstStyle/>
+          <a:p>
+            <a:endParaRPr kumimoji="1" lang="ja-JP" altLang="en-US"/>
+          </a:p>
+        </p:txBody>
+      </p:sp>
+    </p:spTree>
+    <p:extLst>
+      <p:ext uri="{BB962C8B-B14F-4D97-AF65-F5344CB8AC3E}">
+        <p14:creationId xmlns:p14="http://schemas.microsoft.com/office/powerpoint/2010/main" val="3479933127"/>
+      </p:ext>
+    </p:extLst>
+  </p:cSld>
+  <p:clrMapOvr>
+    <a:masterClrMapping/>
+  </p:clrMapOvr>
+</p:sld>
+</file>
+
 <file path=ppt/theme/theme1.xml><?xml version="1.0" encoding="utf-8"?>
 <a:theme xmlns:a="http://schemas.openxmlformats.org/drawingml/2006/main" name="Office テーマ">
   <a:themeElements>
